--- a/Templates/BNP.pptx
+++ b/Templates/BNP.pptx
@@ -238,7 +238,7 @@
           <a:p>
             <a:fld id="{515CCE07-1711-4DC7-A7D8-7ED312C82FB8}" type="datetimeFigureOut">
               <a:rPr lang="fr-FR" smtClean="0"/>
-              <a:t>07/06/2022</a:t>
+              <a:t>20/06/2022</a:t>
             </a:fld>
             <a:endParaRPr lang="fr-FR"/>
           </a:p>
@@ -403,7 +403,7 @@
           <a:p>
             <a:fld id="{014ABEAC-8B63-4BD1-9569-A14EB8752A94}" type="datetimeFigureOut">
               <a:rPr lang="fr-FR" smtClean="0"/>
-              <a:t>07/06/2022</a:t>
+              <a:t>20/06/2022</a:t>
             </a:fld>
             <a:endParaRPr lang="fr-FR"/>
           </a:p>
@@ -1916,7 +1916,7 @@
             </a:r>
             <a:r>
               <a:rPr lang="fr-FR" sz="800" b="1" cap="none" dirty="0"/>
-              <a:t>de droit &lt;droit&gt; présentant un risque de perte en capital partielle ou totale en cours de vie</a:t>
+              <a:t>de droit &lt;droit&gt; présentant un risque de perte en capital partielle ou totale en cours de vie et à l’échéance</a:t>
             </a:r>
             <a:r>
               <a:rPr lang="fr-FR" sz="800" b="1" cap="none" baseline="30000" dirty="0"/>
@@ -1924,7 +1924,7 @@
             </a:r>
             <a:r>
               <a:rPr lang="fr-FR" sz="800" b="1" cap="none" dirty="0"/>
-              <a:t> et à l’échéance, ci-après le « titre de créance ».</a:t>
+              <a:t>, ci-après le « titre de créance ».</a:t>
             </a:r>
           </a:p>
           <a:p>
@@ -2107,7 +2107,7 @@
         <p:spPr>
           <a:xfrm>
             <a:off x="4175836" y="6069790"/>
-            <a:ext cx="3024000" cy="3016210"/>
+            <a:ext cx="3024000" cy="2585323"/>
           </a:xfrm>
           <a:prstGeom prst="rect">
             <a:avLst/>
@@ -2304,100 +2304,12 @@
               <a:buChar char="§"/>
             </a:pPr>
             <a:r>
-              <a:rPr lang="fr-FR" sz="800" dirty="0">
+              <a:rPr lang="fr-FR" sz="800" b="1" dirty="0">
                 <a:solidFill>
                   <a:srgbClr val="000000"/>
                 </a:solidFill>
               </a:rPr>
-              <a:t>&lt;</a:t>
-            </a:r>
-            <a:r>
-              <a:rPr lang="fr-FR" sz="800" dirty="0" err="1">
-                <a:solidFill>
-                  <a:srgbClr val="000000"/>
-                </a:solidFill>
-              </a:rPr>
-              <a:t>legendetickers</a:t>
-            </a:r>
-            <a:r>
-              <a:rPr lang="fr-FR" sz="800" dirty="0">
-                <a:solidFill>
-                  <a:srgbClr val="000000"/>
-                </a:solidFill>
-              </a:rPr>
-              <a:t>&gt;  &lt;DIC&gt;</a:t>
-            </a:r>
-          </a:p>
-          <a:p>
-            <a:pPr marL="171450" indent="-171450" algn="just">
-              <a:spcBef>
-                <a:spcPts val="1200"/>
-              </a:spcBef>
-              <a:buClr>
-                <a:srgbClr val="1C1C1C"/>
-              </a:buClr>
-              <a:buFont typeface="Wingdings" panose="05000000000000000000" pitchFamily="2" charset="2"/>
-              <a:buChar char="§"/>
-            </a:pPr>
-            <a:r>
-              <a:rPr lang="fr-FR" sz="800" dirty="0">
-                <a:solidFill>
-                  <a:srgbClr val="000000"/>
-                </a:solidFill>
-              </a:rPr>
-              <a:t>&lt;</a:t>
-            </a:r>
-            <a:r>
-              <a:rPr lang="fr-FR" sz="800" dirty="0" err="1">
-                <a:solidFill>
-                  <a:srgbClr val="000000"/>
-                </a:solidFill>
-              </a:rPr>
-              <a:t>legendetickers</a:t>
-            </a:r>
-            <a:r>
-              <a:rPr lang="fr-FR" sz="800" dirty="0">
-                <a:solidFill>
-                  <a:srgbClr val="000000"/>
-                </a:solidFill>
-              </a:rPr>
-              <a:t>&gt;</a:t>
-            </a:r>
-          </a:p>
-          <a:p>
-            <a:pPr marL="171450" indent="-171450" algn="just">
-              <a:spcBef>
-                <a:spcPts val="1200"/>
-              </a:spcBef>
-              <a:buClr>
-                <a:srgbClr val="1C1C1C"/>
-              </a:buClr>
-              <a:buFont typeface="Wingdings" panose="05000000000000000000" pitchFamily="2" charset="2"/>
-              <a:buChar char="§"/>
-            </a:pPr>
-            <a:r>
-              <a:rPr lang="fr-FR" sz="800" dirty="0">
-                <a:solidFill>
-                  <a:srgbClr val="000000"/>
-                </a:solidFill>
-              </a:rPr>
-              <a:t>&lt;</a:t>
-            </a:r>
-            <a:r>
-              <a:rPr lang="fr-FR" sz="800" dirty="0" err="1">
-                <a:solidFill>
-                  <a:srgbClr val="000000"/>
-                </a:solidFill>
-              </a:rPr>
-              <a:t>legendetickers</a:t>
-            </a:r>
-            <a:r>
-              <a:rPr lang="fr-FR" sz="800" dirty="0">
-                <a:solidFill>
-                  <a:srgbClr val="000000"/>
-                </a:solidFill>
-              </a:rPr>
-              <a:t>&gt;</a:t>
+              <a:t>« &lt;NOM&gt; » ne peut constituer l’intégralité d’un portefeuille d’investissement.</a:t>
             </a:r>
           </a:p>
         </p:txBody>
@@ -2557,7 +2469,7 @@
         <p:spPr bwMode="auto">
           <a:xfrm>
             <a:off x="361950" y="9765983"/>
-            <a:ext cx="6483350" cy="700192"/>
+            <a:ext cx="6483350" cy="600164"/>
           </a:xfrm>
           <a:prstGeom prst="rect">
             <a:avLst/>
@@ -2591,7 +2503,7 @@
                   <a:schemeClr val="tx2"/>
                 </a:solidFill>
               </a:rPr>
-              <a:t>L’investisseur prend un risque de perte en capital non mesurable a priori si les titres de créance sont revendus avant la date d’échéance ou de remboursement anticipé automatique. L’investisseur supporte le risque de défaut de paiement ou de faillite de l’Émetteur et/ou du Garant de la formule et hors frais liés au cadre d’investissement et avant prélèvements sociaux et fiscalité, sous réserve de l’absence de faillite ou de défaut de paiement de l’Émetteur, de faillite, de défaut de paiement ou de mise en résolution du Garant de la formule. Pour les autres risques de perte en capital, voir pages suivantes. </a:t>
+              <a:t>L’investisseur prend un risque de perte en capital non mesurable a priori si les titres de créance sont revendus avant la date d’échéance ou de remboursement anticipé automatique. L’investisseur supporte le risque de défaut de paiement ou de faillite de l’Émetteur et/ou du Garant de la formule et de mise en résolution du Garant de la formule. Pour les autres risques de perte en capital, voir pages suivantes. </a:t>
             </a:r>
           </a:p>
           <a:p>
@@ -31816,7 +31728,7 @@
         <p:spPr>
           <a:xfrm>
             <a:off x="361950" y="960898"/>
-            <a:ext cx="6837887" cy="6842771"/>
+            <a:ext cx="6837887" cy="7083862"/>
           </a:xfrm>
           <a:prstGeom prst="rect">
             <a:avLst/>
@@ -32142,7 +32054,7 @@
                   <a:srgbClr val="000000"/>
                 </a:solidFill>
               </a:rPr>
-              <a:t>, il est impossible de mesurer a priori le gain ou la perte possible, le prix pratiqué dépendant alors des paramètres de marché du jour. La perte en capital peut être partielle ou totale. Si le cadre d’investissement du produit est un contrat d’assurance vie ou de capitalisation, le dénouement ou le rachat partiel de celui-ci peut entraîner le désinvestissement des unités de compte adossées aux titres de créance avant leur date de remboursement final</a:t>
+              <a:t>, il est impossible de mesurer a priori le gain ou la perte possible, le prix pratiqué dépendant alors des paramètres de marché du jour. La perte en capital peut être partielle ou totale. Dans le cadre d’un contrat d’assurance vie ou de capitalisation, le dénouement ou le rachat partiel de celui-ci peut entraîner le désinvestissement des unités de compte adossées aux titres de créance avant leur date de remboursement final</a:t>
             </a:r>
             <a:r>
               <a:rPr lang="fr-FR" sz="800" baseline="30000" dirty="0">
@@ -32541,7 +32453,18 @@
                   <a:srgbClr val="000000"/>
                 </a:solidFill>
               </a:rPr>
-              <a:t>Le produit peut connaître à tout moment d’importantes fluctuations de cours (en raison notamment de l’évolution du prix, du (ou des) instrument(s) sous-jacent(s) et des taux d’intérêt), pouvant aboutir dans certains cas à la perte totale du montant investi.</a:t>
+              <a:t>Le produit peut connaître à tout moment d’importantes fluctuations de cours (en raison notamment de l’évolution du prix, du (ou des) instrument(s) sous-jacent(s) et des taux d’intérêt), pouvant aboutir dans certains cas à la perte totale du montant investi. </a:t>
+            </a:r>
+            <a:r>
+              <a:rPr lang="fr-FR" sz="800" dirty="0">
+                <a:solidFill>
+                  <a:srgbClr val="000000"/>
+                </a:solidFill>
+                <a:highlight>
+                  <a:srgbClr val="FFFF00"/>
+                </a:highlight>
+              </a:rPr>
+              <a:t>Les fluctuations du prix du produit en cours de vie sont également plus importantes en cas de baisse des marchés en raison de la méthode de prélèvement forfaitaire en points.</a:t>
             </a:r>
           </a:p>
           <a:p>
@@ -33287,7 +33210,7 @@
         <p:spPr>
           <a:xfrm>
             <a:off x="359839" y="960898"/>
-            <a:ext cx="6839998" cy="7127977"/>
+            <a:ext cx="6839998" cy="7232621"/>
           </a:xfrm>
           <a:prstGeom prst="rect">
             <a:avLst/>
@@ -33681,7 +33604,7 @@
                   <a:srgbClr val="000000"/>
                 </a:solidFill>
               </a:rPr>
-              <a:t>, il est impossible de mesurer a priori le gain ou la perte possible, le prix pratiqué dépendant alors des paramètres de marché du jour. La perte en capital peut être partielle ou totale. Si le cadre d’investissement du produit est un contrat d’assurance vie ou de capitalisation, le dénouement ou le rachat partiel de celui-ci peut entraîner le désinvestissement des unités de compte adossées aux titres de créance avant leur date de remboursement final</a:t>
+              <a:t>, il est impossible de mesurer a priori le gain ou la perte possible, le prix pratiqué dépendant alors des paramètres de marché du jour. La perte en capital peut être partielle ou totale. Dans le cadre d’un contrat d’assurance vie ou de capitalisation, le dénouement ou le rachat partiel de celui-ci peut entraîner le désinvestissement des unités de compte adossées aux titres de créance avant leur date de remboursement final</a:t>
             </a:r>
             <a:r>
               <a:rPr lang="fr-FR" sz="800" baseline="30000" dirty="0">
@@ -34106,7 +34029,18 @@
                   <a:srgbClr val="000000"/>
                 </a:solidFill>
               </a:rPr>
-              <a:t>Le produit peut connaître à tout moment d’importantes fluctuations de cours (en raison notamment de l’évolution du prix, du (ou des) instrument(s) sous-jacent(s) et des taux d’intérêt), pouvant aboutir dans certains cas à la perte totale du montant investi.</a:t>
+              <a:t>Le produit peut connaître à tout moment d’importantes fluctuations de cours (en raison notamment de l’évolution du prix, du (ou des) instrument(s) sous-jacent(s) et des taux d’intérêt), pouvant aboutir dans certains cas à la perte totale du montant investi. </a:t>
+            </a:r>
+            <a:r>
+              <a:rPr lang="fr-FR" sz="800" dirty="0">
+                <a:solidFill>
+                  <a:srgbClr val="000000"/>
+                </a:solidFill>
+                <a:highlight>
+                  <a:srgbClr val="FFFF00"/>
+                </a:highlight>
+              </a:rPr>
+              <a:t>Les fluctuations du prix du produit en cours de vie sont également plus importantes en cas de baisse des marchés en raison de la méthode de prélèvement forfaitaire en points.</a:t>
             </a:r>
           </a:p>
           <a:p>
@@ -34765,7 +34699,7 @@
         <p:spPr bwMode="auto">
           <a:xfrm>
             <a:off x="458462" y="953313"/>
-            <a:ext cx="6741374" cy="246221"/>
+            <a:ext cx="6741374" cy="369332"/>
           </a:xfrm>
           <a:prstGeom prst="rect">
             <a:avLst/>
@@ -34789,7 +34723,7 @@
               <a:rPr lang="fr-FR" sz="800" b="1" dirty="0">
                 <a:latin typeface="Proxima Nova Rg" panose="02000506030000020004" pitchFamily="2" charset="0"/>
               </a:rPr>
-              <a:t>Les données chiffrées utilisées dans ces exemples n’ont qu’une valeur indicative et informative, l’objectif étant de décrire le mécanisme du produit. Ces illustrations ont été réalisées de bonne foi à titre d'information uniquement. Elles ne préjugent en rien de l'évolution future &lt;SJR7&gt; et du produit.</a:t>
+              <a:t>Les données chiffrées utilisées dans ces exemples n’ont qu’une valeur indicative et informative, l’objectif étant de décrire le mécanisme du produit. Ces illustrations ont été réalisées de bonne foi à titre d'information uniquement. Elles ne préjugent en rien de l'évolution future &lt;SJR7&gt; &lt;NOMSOUSJACENT&gt; et du produit.</a:t>
             </a:r>
           </a:p>
         </p:txBody>
@@ -34969,7 +34903,7 @@
               <a:rPr lang="fr-FR" sz="800" b="0" dirty="0">
                 <a:latin typeface="+mn-lt"/>
               </a:rPr>
-              <a:t>Dès la première date de constatation du mécanisme de remboursement anticipé automatique, &lt;SJR1&gt; clôture à un &lt;SJR3&gt; supérieur ou égal à &lt;ABAC&gt;</a:t>
+              <a:t>Dès la première date de constatation &lt;F1&gt; du mécanisme de remboursement anticipé automatique, &lt;SJR1&gt; clôture à un &lt;SJR3&gt; supérieur ou égal à &lt;ABAC&gt;</a:t>
             </a:r>
           </a:p>
         </p:txBody>
@@ -36611,12 +36545,11 @@
 </file>
 
 <file path=customXml/item1.xml><?xml version="1.0" encoding="utf-8"?>
-<?mso-contentType ?>
-<FormTemplates xmlns="http://schemas.microsoft.com/sharepoint/v3/contenttype/forms">
-  <Display>DocumentLibraryForm</Display>
-  <Edit>DocumentLibraryForm</Edit>
-  <New>DocumentLibraryForm</New>
-</FormTemplates>
+<p:properties xmlns:p="http://schemas.microsoft.com/office/2006/metadata/properties" xmlns:xsi="http://www.w3.org/2001/XMLSchema-instance" xmlns:pc="http://schemas.microsoft.com/office/infopath/2007/PartnerControls">
+  <documentManagement>
+    <_Flow_SignoffStatus xmlns="ef624bc2-1644-4d69-8362-5c28ca496374" xsi:nil="true"/>
+  </documentManagement>
+</p:properties>
 </file>
 
 <file path=customXml/item2.xml><?xml version="1.0" encoding="utf-8"?>
@@ -36843,17 +36776,27 @@
 </file>
 
 <file path=customXml/item3.xml><?xml version="1.0" encoding="utf-8"?>
-<p:properties xmlns:p="http://schemas.microsoft.com/office/2006/metadata/properties" xmlns:xsi="http://www.w3.org/2001/XMLSchema-instance" xmlns:pc="http://schemas.microsoft.com/office/infopath/2007/PartnerControls">
-  <documentManagement>
-    <_Flow_SignoffStatus xmlns="ef624bc2-1644-4d69-8362-5c28ca496374" xsi:nil="true"/>
-  </documentManagement>
-</p:properties>
+<?mso-contentType ?>
+<FormTemplates xmlns="http://schemas.microsoft.com/sharepoint/v3/contenttype/forms">
+  <Display>DocumentLibraryForm</Display>
+  <Edit>DocumentLibraryForm</Edit>
+  <New>DocumentLibraryForm</New>
+</FormTemplates>
 </file>
 
 <file path=customXml/itemProps1.xml><?xml version="1.0" encoding="utf-8"?>
-<ds:datastoreItem xmlns:ds="http://schemas.openxmlformats.org/officeDocument/2006/customXml" ds:itemID="{B00FC41E-FBDE-42E2-B58A-20EBD240A376}">
+<ds:datastoreItem xmlns:ds="http://schemas.openxmlformats.org/officeDocument/2006/customXml" ds:itemID="{25DE574B-2CD2-4078-9BEA-2A14717D9698}">
   <ds:schemaRefs>
-    <ds:schemaRef ds:uri="http://schemas.microsoft.com/sharepoint/v3/contenttype/forms"/>
+    <ds:schemaRef ds:uri="ef624bc2-1644-4d69-8362-5c28ca496374"/>
+    <ds:schemaRef ds:uri="http://www.w3.org/XML/1998/namespace"/>
+    <ds:schemaRef ds:uri="http://schemas.openxmlformats.org/package/2006/metadata/core-properties"/>
+    <ds:schemaRef ds:uri="http://purl.org/dc/elements/1.1/"/>
+    <ds:schemaRef ds:uri="http://schemas.microsoft.com/office/2006/metadata/properties"/>
+    <ds:schemaRef ds:uri="514a554b-82b0-4359-b247-fc84018a95f0"/>
+    <ds:schemaRef ds:uri="http://purl.org/dc/terms/"/>
+    <ds:schemaRef ds:uri="http://schemas.microsoft.com/office/2006/documentManagement/types"/>
+    <ds:schemaRef ds:uri="http://schemas.microsoft.com/office/infopath/2007/PartnerControls"/>
+    <ds:schemaRef ds:uri="http://purl.org/dc/dcmitype/"/>
   </ds:schemaRefs>
 </ds:datastoreItem>
 </file>
@@ -36878,18 +36821,9 @@
 </file>
 
 <file path=customXml/itemProps3.xml><?xml version="1.0" encoding="utf-8"?>
-<ds:datastoreItem xmlns:ds="http://schemas.openxmlformats.org/officeDocument/2006/customXml" ds:itemID="{25DE574B-2CD2-4078-9BEA-2A14717D9698}">
+<ds:datastoreItem xmlns:ds="http://schemas.openxmlformats.org/officeDocument/2006/customXml" ds:itemID="{B00FC41E-FBDE-42E2-B58A-20EBD240A376}">
   <ds:schemaRefs>
-    <ds:schemaRef ds:uri="ef624bc2-1644-4d69-8362-5c28ca496374"/>
-    <ds:schemaRef ds:uri="http://www.w3.org/XML/1998/namespace"/>
-    <ds:schemaRef ds:uri="http://schemas.openxmlformats.org/package/2006/metadata/core-properties"/>
-    <ds:schemaRef ds:uri="http://purl.org/dc/elements/1.1/"/>
-    <ds:schemaRef ds:uri="http://schemas.microsoft.com/office/2006/metadata/properties"/>
-    <ds:schemaRef ds:uri="514a554b-82b0-4359-b247-fc84018a95f0"/>
-    <ds:schemaRef ds:uri="http://purl.org/dc/terms/"/>
-    <ds:schemaRef ds:uri="http://schemas.microsoft.com/office/2006/documentManagement/types"/>
-    <ds:schemaRef ds:uri="http://schemas.microsoft.com/office/infopath/2007/PartnerControls"/>
-    <ds:schemaRef ds:uri="http://purl.org/dc/dcmitype/"/>
+    <ds:schemaRef ds:uri="http://schemas.microsoft.com/sharepoint/v3/contenttype/forms"/>
   </ds:schemaRefs>
 </ds:datastoreItem>
 </file>
--- a/Templates/BNP.pptx
+++ b/Templates/BNP.pptx
@@ -22087,7 +22087,16 @@
                 <a:ea typeface="+mn-ea"/>
                 <a:cs typeface="+mn-cs"/>
               </a:rPr>
-              <a:t> « &lt;NOM&gt; » ne peut constituer l’intégralité d’un portefeuille d’investissement. L’investisseur est exposé pour une durée de &lt;1PR&gt; à &lt;DPRR&gt; &lt;F0&gt;&lt;F0s&gt; à &lt;SJR1&gt;</a:t>
+              <a:t> « &lt;NOM&gt; » ne peut constituer l’intégralité d’un portefeuille d’investissement. L’investisseur est exposé pour une durée de &lt;1PR&gt; à &lt;DPRR&gt; &lt;F0&gt;&lt;F0s&gt; à </a:t>
+            </a:r>
+            <a:r>
+              <a:rPr lang="fr-FR" b="1" i="1" dirty="0">
+                <a:solidFill>
+                  <a:schemeClr val="tx1"/>
+                </a:solidFill>
+                <a:latin typeface="Proxima Nova Rg"/>
+              </a:rPr>
+              <a:t>&lt;SJR1&gt;, &lt;DIVERSACTION&gt;. Vous </a:t>
             </a:r>
             <a:r>
               <a:rPr kumimoji="0" lang="fr-FR" b="1" i="1" u="none" strike="noStrike" kern="1200" cap="none" spc="0" normalizeH="0" baseline="0" noProof="0" dirty="0">
@@ -22098,33 +22107,13 @@
                   <a:schemeClr val="tx1"/>
                 </a:solidFill>
                 <a:effectLst/>
-                <a:highlight>
-                  <a:srgbClr val="FFFF00"/>
-                </a:highlight>
                 <a:uLnTx/>
                 <a:uFillTx/>
                 <a:latin typeface="Proxima Nova Rg"/>
                 <a:ea typeface="+mn-ea"/>
                 <a:cs typeface="+mn-cs"/>
               </a:rPr>
-              <a:t>, et ne bénéficie pas de la diversification offerte par les indices de marchés actions</a:t>
-            </a:r>
-            <a:r>
-              <a:rPr kumimoji="0" lang="fr-FR" b="1" i="1" u="none" strike="noStrike" kern="1200" cap="none" spc="0" normalizeH="0" baseline="0" noProof="0" dirty="0">
-                <a:ln>
-                  <a:noFill/>
-                </a:ln>
-                <a:solidFill>
-                  <a:schemeClr val="tx1"/>
-                </a:solidFill>
-                <a:effectLst/>
-                <a:uLnTx/>
-                <a:uFillTx/>
-                <a:latin typeface="Proxima Nova Rg"/>
-                <a:ea typeface="+mn-ea"/>
-                <a:cs typeface="+mn-cs"/>
-              </a:rPr>
-              <a:t>. Vous êtes sur le point d’acheter un produit qui n’est pas simple et qui peut être difficile à comprendre.</a:t>
+              <a:t>êtes sur le point d’acheter un produit qui n’est pas simple et qui peut être difficile à comprendre.</a:t>
             </a:r>
           </a:p>
         </p:txBody>
@@ -24107,7 +24096,16 @@
                 <a:ea typeface="+mn-ea"/>
                 <a:cs typeface="+mn-cs"/>
               </a:rPr>
-              <a:t> « &lt;NOM&gt; » ne peut constituer l’intégralité d’un portefeuille d’investissement. L’investisseur est exposé pour une durée de &lt;1PR&gt; à &lt;DPRR&gt; &lt;F0&gt;&lt;F0s&gt; à &lt;SJR1&gt;</a:t>
+              <a:t> « &lt;NOM&gt; » ne peut constituer l’intégralité d’un portefeuille d’investissement. L’investisseur est exposé pour une durée de &lt;1PR&gt; à &lt;DPRR&gt; &lt;F0&gt;&lt;F0s&gt; à &lt;</a:t>
+            </a:r>
+            <a:r>
+              <a:rPr lang="fr-FR" b="1" i="1" dirty="0">
+                <a:solidFill>
+                  <a:schemeClr val="tx1"/>
+                </a:solidFill>
+                <a:latin typeface="Proxima Nova Rg"/>
+              </a:rPr>
+              <a:t>SJR1&gt;, &lt;DIVERSACTION&gt;. Vous </a:t>
             </a:r>
             <a:r>
               <a:rPr kumimoji="0" lang="fr-FR" b="1" i="1" u="none" strike="noStrike" kern="1200" cap="none" spc="0" normalizeH="0" baseline="0" noProof="0" dirty="0">
@@ -24118,33 +24116,13 @@
                   <a:schemeClr val="tx1"/>
                 </a:solidFill>
                 <a:effectLst/>
-                <a:highlight>
-                  <a:srgbClr val="FFFF00"/>
-                </a:highlight>
                 <a:uLnTx/>
                 <a:uFillTx/>
                 <a:latin typeface="Proxima Nova Rg"/>
                 <a:ea typeface="+mn-ea"/>
                 <a:cs typeface="+mn-cs"/>
               </a:rPr>
-              <a:t>, et ne bénéficie pas de la diversification offerte par les indices de marchés actions</a:t>
-            </a:r>
-            <a:r>
-              <a:rPr kumimoji="0" lang="fr-FR" b="1" i="1" u="none" strike="noStrike" kern="1200" cap="none" spc="0" normalizeH="0" baseline="0" noProof="0" dirty="0">
-                <a:ln>
-                  <a:noFill/>
-                </a:ln>
-                <a:solidFill>
-                  <a:schemeClr val="tx1"/>
-                </a:solidFill>
-                <a:effectLst/>
-                <a:uLnTx/>
-                <a:uFillTx/>
-                <a:latin typeface="Proxima Nova Rg"/>
-                <a:ea typeface="+mn-ea"/>
-                <a:cs typeface="+mn-cs"/>
-              </a:rPr>
-              <a:t>. Vous êtes sur le point d’acheter un produit qui n’est pas simple et qui peut être difficile à comprendre.</a:t>
+              <a:t>êtes sur le point d’acheter un produit qui n’est pas simple et qui peut être difficile à comprendre.</a:t>
             </a:r>
           </a:p>
         </p:txBody>
@@ -31728,7 +31706,7 @@
         <p:spPr>
           <a:xfrm>
             <a:off x="361950" y="960898"/>
-            <a:ext cx="6837887" cy="7083862"/>
+            <a:ext cx="6837887" cy="6725816"/>
           </a:xfrm>
           <a:prstGeom prst="rect">
             <a:avLst/>
@@ -32453,19 +32431,32 @@
                   <a:srgbClr val="000000"/>
                 </a:solidFill>
               </a:rPr>
-              <a:t>Le produit peut connaître à tout moment d’importantes fluctuations de cours (en raison notamment de l’évolution du prix, du (ou des) instrument(s) sous-jacent(s) et des taux d’intérêt), pouvant aboutir dans certains cas à la perte totale du montant investi. </a:t>
+              <a:t>Le produit peut connaître à tout moment d’importantes fluctuations de cours (en raison notamment de l’évolution du prix, du (ou des) instrument(s) sous-jacent(s) et des taux d’intérêt), pouvant aboutir dans certains cas à la perte totale du montant investi. &lt;</a:t>
+            </a:r>
+            <a:r>
+              <a:rPr lang="fr-FR" sz="800" dirty="0" err="1">
+                <a:solidFill>
+                  <a:srgbClr val="000000"/>
+                </a:solidFill>
+              </a:rPr>
+              <a:t>decrement</a:t>
             </a:r>
             <a:r>
               <a:rPr lang="fr-FR" sz="800" dirty="0">
                 <a:solidFill>
                   <a:srgbClr val="000000"/>
                 </a:solidFill>
-                <a:highlight>
-                  <a:srgbClr val="FFFF00"/>
-                </a:highlight>
-              </a:rPr>
-              <a:t>Les fluctuations du prix du produit en cours de vie sont également plus importantes en cas de baisse des marchés en raison de la méthode de prélèvement forfaitaire en points.</a:t>
-            </a:r>
+              </a:rPr>
+              <a:t>&gt;</a:t>
+            </a:r>
+            <a:endParaRPr lang="fr-FR" sz="800" dirty="0">
+              <a:solidFill>
+                <a:srgbClr val="000000"/>
+              </a:solidFill>
+              <a:highlight>
+                <a:srgbClr val="FFFF00"/>
+              </a:highlight>
+            </a:endParaRPr>
           </a:p>
           <a:p>
             <a:pPr marL="171450" indent="-171450" algn="just">
@@ -34029,18 +34020,23 @@
                   <a:srgbClr val="000000"/>
                 </a:solidFill>
               </a:rPr>
-              <a:t>Le produit peut connaître à tout moment d’importantes fluctuations de cours (en raison notamment de l’évolution du prix, du (ou des) instrument(s) sous-jacent(s) et des taux d’intérêt), pouvant aboutir dans certains cas à la perte totale du montant investi. </a:t>
-            </a:r>
-            <a:r>
-              <a:rPr lang="fr-FR" sz="800" dirty="0">
+              <a:t>Le produit peut connaître à tout moment d’importantes fluctuations de cours (en raison notamment de l’évolution du prix, du (ou des) instrument(s) sous-jacent(s) et des taux d’intérêt), pouvant aboutir dans certains cas à la perte totale du montant investi. &lt;</a:t>
+            </a:r>
+            <a:r>
+              <a:rPr lang="fr-FR" sz="800" dirty="0" err="1">
                 <a:solidFill>
                   <a:srgbClr val="000000"/>
                 </a:solidFill>
-                <a:highlight>
-                  <a:srgbClr val="FFFF00"/>
-                </a:highlight>
-              </a:rPr>
-              <a:t>Les fluctuations du prix du produit en cours de vie sont également plus importantes en cas de baisse des marchés en raison de la méthode de prélèvement forfaitaire en points.</a:t>
+              </a:rPr>
+              <a:t>decrement</a:t>
+            </a:r>
+            <a:r>
+              <a:rPr lang="fr-FR" sz="800">
+                <a:solidFill>
+                  <a:srgbClr val="000000"/>
+                </a:solidFill>
+              </a:rPr>
+              <a:t>&gt;</a:t>
             </a:r>
           </a:p>
           <a:p>
@@ -36545,11 +36541,12 @@
 </file>
 
 <file path=customXml/item1.xml><?xml version="1.0" encoding="utf-8"?>
-<p:properties xmlns:p="http://schemas.microsoft.com/office/2006/metadata/properties" xmlns:xsi="http://www.w3.org/2001/XMLSchema-instance" xmlns:pc="http://schemas.microsoft.com/office/infopath/2007/PartnerControls">
-  <documentManagement>
-    <_Flow_SignoffStatus xmlns="ef624bc2-1644-4d69-8362-5c28ca496374" xsi:nil="true"/>
-  </documentManagement>
-</p:properties>
+<?mso-contentType ?>
+<FormTemplates xmlns="http://schemas.microsoft.com/sharepoint/v3/contenttype/forms">
+  <Display>DocumentLibraryForm</Display>
+  <Edit>DocumentLibraryForm</Edit>
+  <New>DocumentLibraryForm</New>
+</FormTemplates>
 </file>
 
 <file path=customXml/item2.xml><?xml version="1.0" encoding="utf-8"?>
@@ -36776,27 +36773,17 @@
 </file>
 
 <file path=customXml/item3.xml><?xml version="1.0" encoding="utf-8"?>
-<?mso-contentType ?>
-<FormTemplates xmlns="http://schemas.microsoft.com/sharepoint/v3/contenttype/forms">
-  <Display>DocumentLibraryForm</Display>
-  <Edit>DocumentLibraryForm</Edit>
-  <New>DocumentLibraryForm</New>
-</FormTemplates>
+<p:properties xmlns:p="http://schemas.microsoft.com/office/2006/metadata/properties" xmlns:xsi="http://www.w3.org/2001/XMLSchema-instance" xmlns:pc="http://schemas.microsoft.com/office/infopath/2007/PartnerControls">
+  <documentManagement>
+    <_Flow_SignoffStatus xmlns="ef624bc2-1644-4d69-8362-5c28ca496374" xsi:nil="true"/>
+  </documentManagement>
+</p:properties>
 </file>
 
 <file path=customXml/itemProps1.xml><?xml version="1.0" encoding="utf-8"?>
-<ds:datastoreItem xmlns:ds="http://schemas.openxmlformats.org/officeDocument/2006/customXml" ds:itemID="{25DE574B-2CD2-4078-9BEA-2A14717D9698}">
+<ds:datastoreItem xmlns:ds="http://schemas.openxmlformats.org/officeDocument/2006/customXml" ds:itemID="{B00FC41E-FBDE-42E2-B58A-20EBD240A376}">
   <ds:schemaRefs>
-    <ds:schemaRef ds:uri="ef624bc2-1644-4d69-8362-5c28ca496374"/>
-    <ds:schemaRef ds:uri="http://www.w3.org/XML/1998/namespace"/>
-    <ds:schemaRef ds:uri="http://schemas.openxmlformats.org/package/2006/metadata/core-properties"/>
-    <ds:schemaRef ds:uri="http://purl.org/dc/elements/1.1/"/>
-    <ds:schemaRef ds:uri="http://schemas.microsoft.com/office/2006/metadata/properties"/>
-    <ds:schemaRef ds:uri="514a554b-82b0-4359-b247-fc84018a95f0"/>
-    <ds:schemaRef ds:uri="http://purl.org/dc/terms/"/>
-    <ds:schemaRef ds:uri="http://schemas.microsoft.com/office/2006/documentManagement/types"/>
-    <ds:schemaRef ds:uri="http://schemas.microsoft.com/office/infopath/2007/PartnerControls"/>
-    <ds:schemaRef ds:uri="http://purl.org/dc/dcmitype/"/>
+    <ds:schemaRef ds:uri="http://schemas.microsoft.com/sharepoint/v3/contenttype/forms"/>
   </ds:schemaRefs>
 </ds:datastoreItem>
 </file>
@@ -36821,9 +36808,18 @@
 </file>
 
 <file path=customXml/itemProps3.xml><?xml version="1.0" encoding="utf-8"?>
-<ds:datastoreItem xmlns:ds="http://schemas.openxmlformats.org/officeDocument/2006/customXml" ds:itemID="{B00FC41E-FBDE-42E2-B58A-20EBD240A376}">
+<ds:datastoreItem xmlns:ds="http://schemas.openxmlformats.org/officeDocument/2006/customXml" ds:itemID="{25DE574B-2CD2-4078-9BEA-2A14717D9698}">
   <ds:schemaRefs>
-    <ds:schemaRef ds:uri="http://schemas.microsoft.com/sharepoint/v3/contenttype/forms"/>
+    <ds:schemaRef ds:uri="ef624bc2-1644-4d69-8362-5c28ca496374"/>
+    <ds:schemaRef ds:uri="http://www.w3.org/XML/1998/namespace"/>
+    <ds:schemaRef ds:uri="http://schemas.openxmlformats.org/package/2006/metadata/core-properties"/>
+    <ds:schemaRef ds:uri="http://purl.org/dc/elements/1.1/"/>
+    <ds:schemaRef ds:uri="http://schemas.microsoft.com/office/2006/metadata/properties"/>
+    <ds:schemaRef ds:uri="514a554b-82b0-4359-b247-fc84018a95f0"/>
+    <ds:schemaRef ds:uri="http://purl.org/dc/terms/"/>
+    <ds:schemaRef ds:uri="http://schemas.microsoft.com/office/2006/documentManagement/types"/>
+    <ds:schemaRef ds:uri="http://schemas.microsoft.com/office/infopath/2007/PartnerControls"/>
+    <ds:schemaRef ds:uri="http://purl.org/dc/dcmitype/"/>
   </ds:schemaRefs>
 </ds:datastoreItem>
 </file>
--- a/Templates/BNP.pptx
+++ b/Templates/BNP.pptx
@@ -24,7 +24,7 @@
     <p:sldId id="288" r:id="rId15"/>
     <p:sldId id="289" r:id="rId16"/>
     <p:sldId id="296" r:id="rId17"/>
-    <p:sldId id="290" r:id="rId18"/>
+    <p:sldId id="297" r:id="rId18"/>
   </p:sldIdLst>
   <p:sldSz cx="7559675" cy="10691813"/>
   <p:notesSz cx="6797675" cy="9928225"/>
@@ -968,6 +968,578 @@
 </p:sldLayout>
 </file>
 
+<file path=ppt/slideLayouts/slideLayout2.xml><?xml version="1.0" encoding="utf-8"?>
+<p:sldLayout xmlns:a="http://schemas.openxmlformats.org/drawingml/2006/main" xmlns:r="http://schemas.openxmlformats.org/officeDocument/2006/relationships" xmlns:p="http://schemas.openxmlformats.org/presentationml/2006/main" userDrawn="1">
+  <p:cSld name="Texte + Graphique">
+    <p:spTree>
+      <p:nvGrpSpPr>
+        <p:cNvPr id="1" name=""/>
+        <p:cNvGrpSpPr/>
+        <p:nvPr/>
+      </p:nvGrpSpPr>
+      <p:grpSpPr>
+        <a:xfrm>
+          <a:off x="0" y="0"/>
+          <a:ext cx="0" cy="0"/>
+          <a:chOff x="0" y="0"/>
+          <a:chExt cx="0" cy="0"/>
+        </a:xfrm>
+      </p:grpSpPr>
+      <p:sp>
+        <p:nvSpPr>
+          <p:cNvPr id="6" name="Slide Number Placeholder 5"/>
+          <p:cNvSpPr>
+            <a:spLocks noGrp="1"/>
+          </p:cNvSpPr>
+          <p:nvPr>
+            <p:ph type="sldNum" sz="quarter" idx="12"/>
+          </p:nvPr>
+        </p:nvSpPr>
+        <p:spPr>
+          <a:xfrm>
+            <a:off x="6840000" y="10169462"/>
+            <a:ext cx="359448" cy="216326"/>
+          </a:xfrm>
+          <a:noFill/>
+        </p:spPr>
+        <p:txBody>
+          <a:bodyPr>
+            <a:noAutofit/>
+          </a:bodyPr>
+          <a:lstStyle>
+            <a:lvl1pPr algn="ctr">
+              <a:defRPr sz="900" b="1">
+                <a:solidFill>
+                  <a:srgbClr val="B9A049"/>
+                </a:solidFill>
+              </a:defRPr>
+            </a:lvl1pPr>
+          </a:lstStyle>
+          <a:p>
+            <a:fld id="{21A58941-C02C-41B5-9643-2C1F36B7BEEB}" type="slidenum">
+              <a:rPr lang="fr-FR" smtClean="0"/>
+              <a:pPr/>
+              <a:t>‹N°›</a:t>
+            </a:fld>
+            <a:endParaRPr lang="fr-FR"/>
+          </a:p>
+        </p:txBody>
+      </p:sp>
+      <p:sp>
+        <p:nvSpPr>
+          <p:cNvPr id="10" name="Espace réservé du texte 9"/>
+          <p:cNvSpPr>
+            <a:spLocks noGrp="1"/>
+          </p:cNvSpPr>
+          <p:nvPr>
+            <p:ph type="body" sz="quarter" idx="15"/>
+          </p:nvPr>
+        </p:nvSpPr>
+        <p:spPr>
+          <a:xfrm>
+            <a:off x="542225" y="10112870"/>
+            <a:ext cx="6120000" cy="432000"/>
+          </a:xfrm>
+          <a:prstGeom prst="rect">
+            <a:avLst/>
+          </a:prstGeom>
+        </p:spPr>
+        <p:txBody>
+          <a:bodyPr>
+            <a:noAutofit/>
+          </a:bodyPr>
+          <a:lstStyle>
+            <a:lvl1pPr marL="0" indent="0">
+              <a:lnSpc>
+                <a:spcPct val="100000"/>
+              </a:lnSpc>
+              <a:spcBef>
+                <a:spcPts val="0"/>
+              </a:spcBef>
+              <a:buNone/>
+              <a:defRPr sz="550" cap="all" baseline="0">
+                <a:solidFill>
+                  <a:schemeClr val="bg1"/>
+                </a:solidFill>
+                <a:latin typeface="Akkurat-Light" panose="02000303000000000000" pitchFamily="50" charset="0"/>
+              </a:defRPr>
+            </a:lvl1pPr>
+            <a:lvl2pPr marL="0" indent="0">
+              <a:lnSpc>
+                <a:spcPct val="100000"/>
+              </a:lnSpc>
+              <a:spcBef>
+                <a:spcPts val="0"/>
+              </a:spcBef>
+              <a:buNone/>
+              <a:defRPr sz="550">
+                <a:solidFill>
+                  <a:schemeClr val="bg1"/>
+                </a:solidFill>
+                <a:latin typeface="Akkurat-Light" panose="02000303000000000000" pitchFamily="50" charset="0"/>
+              </a:defRPr>
+            </a:lvl2pPr>
+            <a:lvl3pPr marL="755934" indent="0">
+              <a:buNone/>
+              <a:defRPr sz="550">
+                <a:latin typeface="Akkurat-Light" panose="02000303000000000000" pitchFamily="50" charset="0"/>
+              </a:defRPr>
+            </a:lvl3pPr>
+            <a:lvl4pPr marL="1133901" indent="0">
+              <a:buNone/>
+              <a:defRPr sz="550">
+                <a:latin typeface="Akkurat-Light" panose="02000303000000000000" pitchFamily="50" charset="0"/>
+              </a:defRPr>
+            </a:lvl4pPr>
+            <a:lvl5pPr marL="1511869" indent="0">
+              <a:buNone/>
+              <a:defRPr sz="550">
+                <a:latin typeface="Akkurat-Light" panose="02000303000000000000" pitchFamily="50" charset="0"/>
+              </a:defRPr>
+            </a:lvl5pPr>
+          </a:lstStyle>
+          <a:p>
+            <a:pPr lvl="0"/>
+            <a:r>
+              <a:rPr lang="fr-FR"/>
+              <a:t>Modifier les styles du texte du masque</a:t>
+            </a:r>
+          </a:p>
+          <a:p>
+            <a:pPr lvl="1"/>
+            <a:r>
+              <a:rPr lang="fr-FR"/>
+              <a:t>Deuxième niveau</a:t>
+            </a:r>
+          </a:p>
+        </p:txBody>
+      </p:sp>
+      <p:sp>
+        <p:nvSpPr>
+          <p:cNvPr id="23" name="Espace réservé du texte 22"/>
+          <p:cNvSpPr>
+            <a:spLocks noGrp="1"/>
+          </p:cNvSpPr>
+          <p:nvPr>
+            <p:ph type="body" sz="quarter" idx="16"/>
+          </p:nvPr>
+        </p:nvSpPr>
+        <p:spPr>
+          <a:xfrm>
+            <a:off x="1080000" y="1260000"/>
+            <a:ext cx="6120000" cy="3960000"/>
+          </a:xfrm>
+          <a:prstGeom prst="rect">
+            <a:avLst/>
+          </a:prstGeom>
+        </p:spPr>
+        <p:txBody>
+          <a:bodyPr lIns="0" tIns="0" rIns="0" bIns="0">
+            <a:noAutofit/>
+          </a:bodyPr>
+          <a:lstStyle>
+            <a:lvl1pPr marL="0" indent="0">
+              <a:spcBef>
+                <a:spcPts val="2400"/>
+              </a:spcBef>
+              <a:buNone/>
+              <a:defRPr sz="1600" b="0" cap="all" baseline="0">
+                <a:solidFill>
+                  <a:schemeClr val="tx1"/>
+                </a:solidFill>
+                <a:latin typeface="Futura PT" panose="020B0902020204020203" pitchFamily="34" charset="0"/>
+                <a:cs typeface="Gotham Bold" pitchFamily="50" charset="0"/>
+              </a:defRPr>
+            </a:lvl1pPr>
+            <a:lvl2pPr marL="0" indent="0">
+              <a:lnSpc>
+                <a:spcPct val="100000"/>
+              </a:lnSpc>
+              <a:spcBef>
+                <a:spcPts val="800"/>
+              </a:spcBef>
+              <a:buNone/>
+              <a:defRPr sz="900">
+                <a:solidFill>
+                  <a:schemeClr val="tx2"/>
+                </a:solidFill>
+              </a:defRPr>
+            </a:lvl2pPr>
+            <a:lvl3pPr marL="0" indent="0">
+              <a:lnSpc>
+                <a:spcPct val="100000"/>
+              </a:lnSpc>
+              <a:spcBef>
+                <a:spcPts val="800"/>
+              </a:spcBef>
+              <a:buNone/>
+              <a:defRPr sz="900">
+                <a:solidFill>
+                  <a:schemeClr val="tx1"/>
+                </a:solidFill>
+              </a:defRPr>
+            </a:lvl3pPr>
+            <a:lvl4pPr marL="0" indent="0">
+              <a:lnSpc>
+                <a:spcPct val="100000"/>
+              </a:lnSpc>
+              <a:spcBef>
+                <a:spcPts val="600"/>
+              </a:spcBef>
+              <a:buNone/>
+              <a:defRPr sz="800">
+                <a:solidFill>
+                  <a:schemeClr val="tx2"/>
+                </a:solidFill>
+                <a:latin typeface="Ciutadella Light Italic" panose="02000000000000000000" pitchFamily="50" charset="0"/>
+              </a:defRPr>
+            </a:lvl4pPr>
+            <a:lvl5pPr marL="0" indent="0">
+              <a:lnSpc>
+                <a:spcPct val="100000"/>
+              </a:lnSpc>
+              <a:spcBef>
+                <a:spcPts val="600"/>
+              </a:spcBef>
+              <a:buNone/>
+              <a:defRPr sz="800">
+                <a:solidFill>
+                  <a:schemeClr val="tx2"/>
+                </a:solidFill>
+                <a:latin typeface="Ciutadella Regular Italic" panose="01000000000000000000" pitchFamily="50" charset="0"/>
+              </a:defRPr>
+            </a:lvl5pPr>
+          </a:lstStyle>
+          <a:p>
+            <a:pPr lvl="0"/>
+            <a:r>
+              <a:rPr lang="fr-FR"/>
+              <a:t>Modifier les styles du texte du masque</a:t>
+            </a:r>
+          </a:p>
+          <a:p>
+            <a:pPr lvl="1"/>
+            <a:r>
+              <a:rPr lang="fr-FR"/>
+              <a:t>Deuxième niveau</a:t>
+            </a:r>
+          </a:p>
+          <a:p>
+            <a:pPr lvl="2"/>
+            <a:r>
+              <a:rPr lang="fr-FR"/>
+              <a:t>Troisième niveau</a:t>
+            </a:r>
+          </a:p>
+          <a:p>
+            <a:pPr lvl="3"/>
+            <a:r>
+              <a:rPr lang="fr-FR"/>
+              <a:t>Quatrième niveau</a:t>
+            </a:r>
+          </a:p>
+          <a:p>
+            <a:pPr lvl="4"/>
+            <a:r>
+              <a:rPr lang="fr-FR"/>
+              <a:t>Cinquième niveau</a:t>
+            </a:r>
+          </a:p>
+        </p:txBody>
+      </p:sp>
+      <p:sp>
+        <p:nvSpPr>
+          <p:cNvPr id="26" name="Espace réservé du graphique 25"/>
+          <p:cNvSpPr>
+            <a:spLocks noGrp="1"/>
+          </p:cNvSpPr>
+          <p:nvPr>
+            <p:ph type="chart" sz="quarter" idx="18" hasCustomPrompt="1"/>
+          </p:nvPr>
+        </p:nvSpPr>
+        <p:spPr>
+          <a:xfrm>
+            <a:off x="1080000" y="6118050"/>
+            <a:ext cx="6120000" cy="2880000"/>
+          </a:xfrm>
+          <a:prstGeom prst="rect">
+            <a:avLst/>
+          </a:prstGeom>
+          <a:solidFill>
+            <a:schemeClr val="bg1">
+              <a:lumMod val="95000"/>
+            </a:schemeClr>
+          </a:solidFill>
+        </p:spPr>
+        <p:txBody>
+          <a:bodyPr anchor="ctr">
+            <a:noAutofit/>
+          </a:bodyPr>
+          <a:lstStyle>
+            <a:lvl1pPr marL="0" indent="0" algn="ctr">
+              <a:buNone/>
+              <a:defRPr sz="1400"/>
+            </a:lvl1pPr>
+          </a:lstStyle>
+          <a:p>
+            <a:r>
+              <a:rPr lang="fr-FR"/>
+              <a:t>Graphique</a:t>
+            </a:r>
+          </a:p>
+        </p:txBody>
+      </p:sp>
+      <p:sp>
+        <p:nvSpPr>
+          <p:cNvPr id="19" name="Espace réservé du texte 22"/>
+          <p:cNvSpPr>
+            <a:spLocks noGrp="1"/>
+          </p:cNvSpPr>
+          <p:nvPr>
+            <p:ph type="body" sz="quarter" idx="19"/>
+          </p:nvPr>
+        </p:nvSpPr>
+        <p:spPr>
+          <a:xfrm>
+            <a:off x="1080000" y="5722050"/>
+            <a:ext cx="6120000" cy="288000"/>
+          </a:xfrm>
+          <a:prstGeom prst="rect">
+            <a:avLst/>
+          </a:prstGeom>
+        </p:spPr>
+        <p:txBody>
+          <a:bodyPr lIns="0" tIns="0" rIns="0" bIns="0">
+            <a:noAutofit/>
+          </a:bodyPr>
+          <a:lstStyle>
+            <a:lvl1pPr marL="0" indent="0">
+              <a:spcBef>
+                <a:spcPts val="2400"/>
+              </a:spcBef>
+              <a:buNone/>
+              <a:defRPr sz="1600" b="0" cap="all" baseline="0">
+                <a:solidFill>
+                  <a:schemeClr val="tx1"/>
+                </a:solidFill>
+                <a:latin typeface="+mj-lt"/>
+                <a:cs typeface="Gotham Bold" pitchFamily="50" charset="0"/>
+              </a:defRPr>
+            </a:lvl1pPr>
+            <a:lvl2pPr marL="0" indent="0">
+              <a:lnSpc>
+                <a:spcPct val="100000"/>
+              </a:lnSpc>
+              <a:spcBef>
+                <a:spcPts val="800"/>
+              </a:spcBef>
+              <a:buNone/>
+              <a:defRPr sz="900">
+                <a:solidFill>
+                  <a:schemeClr val="tx2"/>
+                </a:solidFill>
+              </a:defRPr>
+            </a:lvl2pPr>
+            <a:lvl3pPr marL="0" indent="0">
+              <a:lnSpc>
+                <a:spcPct val="100000"/>
+              </a:lnSpc>
+              <a:spcBef>
+                <a:spcPts val="400"/>
+              </a:spcBef>
+              <a:buNone/>
+              <a:defRPr sz="900">
+                <a:solidFill>
+                  <a:schemeClr val="tx2"/>
+                </a:solidFill>
+              </a:defRPr>
+            </a:lvl3pPr>
+            <a:lvl4pPr marL="0" indent="0">
+              <a:lnSpc>
+                <a:spcPct val="100000"/>
+              </a:lnSpc>
+              <a:spcBef>
+                <a:spcPts val="600"/>
+              </a:spcBef>
+              <a:buNone/>
+              <a:defRPr sz="900">
+                <a:solidFill>
+                  <a:schemeClr val="tx1"/>
+                </a:solidFill>
+              </a:defRPr>
+            </a:lvl4pPr>
+            <a:lvl5pPr marL="0" indent="0">
+              <a:lnSpc>
+                <a:spcPct val="100000"/>
+              </a:lnSpc>
+              <a:spcBef>
+                <a:spcPts val="600"/>
+              </a:spcBef>
+              <a:buNone/>
+              <a:defRPr sz="700">
+                <a:solidFill>
+                  <a:schemeClr val="tx2"/>
+                </a:solidFill>
+                <a:latin typeface="Ciutadella Regular Italic" panose="01000000000000000000" pitchFamily="50" charset="0"/>
+              </a:defRPr>
+            </a:lvl5pPr>
+          </a:lstStyle>
+          <a:p>
+            <a:pPr lvl="0"/>
+            <a:r>
+              <a:rPr lang="fr-FR"/>
+              <a:t>Modifier les styles du texte du masque</a:t>
+            </a:r>
+          </a:p>
+        </p:txBody>
+      </p:sp>
+      <p:sp>
+        <p:nvSpPr>
+          <p:cNvPr id="14" name="Espace réservé pour une image  7"/>
+          <p:cNvSpPr>
+            <a:spLocks noGrp="1"/>
+          </p:cNvSpPr>
+          <p:nvPr>
+            <p:ph type="pic" sz="quarter" idx="13"/>
+          </p:nvPr>
+        </p:nvSpPr>
+        <p:spPr>
+          <a:xfrm>
+            <a:off x="0" y="0"/>
+            <a:ext cx="7559675" cy="900000"/>
+          </a:xfrm>
+          <a:prstGeom prst="rect">
+            <a:avLst/>
+          </a:prstGeom>
+          <a:solidFill>
+            <a:schemeClr val="bg1">
+              <a:lumMod val="95000"/>
+            </a:schemeClr>
+          </a:solidFill>
+        </p:spPr>
+        <p:txBody>
+          <a:bodyPr anchor="ctr">
+            <a:noAutofit/>
+          </a:bodyPr>
+          <a:lstStyle>
+            <a:lvl1pPr marL="0" indent="0" algn="ctr">
+              <a:buNone/>
+              <a:defRPr sz="1400"/>
+            </a:lvl1pPr>
+          </a:lstStyle>
+          <a:p>
+            <a:endParaRPr lang="fr-FR"/>
+          </a:p>
+        </p:txBody>
+      </p:sp>
+      <p:sp>
+        <p:nvSpPr>
+          <p:cNvPr id="15" name="Title 1"/>
+          <p:cNvSpPr>
+            <a:spLocks noGrp="1"/>
+          </p:cNvSpPr>
+          <p:nvPr>
+            <p:ph type="title"/>
+          </p:nvPr>
+        </p:nvSpPr>
+        <p:spPr>
+          <a:xfrm>
+            <a:off x="4775813" y="26477"/>
+            <a:ext cx="2664000" cy="432000"/>
+          </a:xfrm>
+          <a:prstGeom prst="rect">
+            <a:avLst/>
+          </a:prstGeom>
+        </p:spPr>
+        <p:txBody>
+          <a:bodyPr bIns="0" anchor="b">
+            <a:noAutofit/>
+          </a:bodyPr>
+          <a:lstStyle>
+            <a:lvl1pPr>
+              <a:lnSpc>
+                <a:spcPct val="78000"/>
+              </a:lnSpc>
+              <a:defRPr sz="1400" cap="all" baseline="0">
+                <a:solidFill>
+                  <a:schemeClr val="bg1"/>
+                </a:solidFill>
+              </a:defRPr>
+            </a:lvl1pPr>
+          </a:lstStyle>
+          <a:p>
+            <a:r>
+              <a:rPr lang="fr-FR"/>
+              <a:t>Modifiez le style du titre</a:t>
+            </a:r>
+            <a:endParaRPr lang="en-US"/>
+          </a:p>
+        </p:txBody>
+      </p:sp>
+      <p:sp>
+        <p:nvSpPr>
+          <p:cNvPr id="16" name="Footer Placeholder 4"/>
+          <p:cNvSpPr>
+            <a:spLocks noGrp="1"/>
+          </p:cNvSpPr>
+          <p:nvPr>
+            <p:ph type="ftr" sz="quarter" idx="11"/>
+          </p:nvPr>
+        </p:nvSpPr>
+        <p:spPr>
+          <a:xfrm>
+            <a:off x="4626000" y="605058"/>
+            <a:ext cx="2880694" cy="252462"/>
+          </a:xfrm>
+          <a:prstGeom prst="rect">
+            <a:avLst/>
+          </a:prstGeom>
+        </p:spPr>
+        <p:txBody>
+          <a:bodyPr anchor="ctr">
+            <a:noAutofit/>
+          </a:bodyPr>
+          <a:lstStyle>
+            <a:lvl1pPr algn="ctr">
+              <a:defRPr sz="1200" cap="small" spc="100" baseline="0">
+                <a:solidFill>
+                  <a:schemeClr val="bg1"/>
+                </a:solidFill>
+              </a:defRPr>
+            </a:lvl1pPr>
+          </a:lstStyle>
+          <a:p>
+            <a:r>
+              <a:rPr lang="fr-FR"/>
+              <a:t>Brochure commerciale - Mars 2017</a:t>
+            </a:r>
+          </a:p>
+        </p:txBody>
+      </p:sp>
+    </p:spTree>
+    <p:extLst>
+      <p:ext uri="{BB962C8B-B14F-4D97-AF65-F5344CB8AC3E}">
+        <p14:creationId xmlns:p14="http://schemas.microsoft.com/office/powerpoint/2010/main" val="2987354065"/>
+      </p:ext>
+    </p:extLst>
+  </p:cSld>
+  <p:clrMapOvr>
+    <a:masterClrMapping/>
+  </p:clrMapOvr>
+  <p:extLst>
+    <p:ext uri="{DCECCB84-F9BA-43D5-87BE-67443E8EF086}">
+      <p15:sldGuideLst xmlns:p15="http://schemas.microsoft.com/office/powerpoint/2012/main">
+        <p15:guide id="2" pos="2381">
+          <p15:clr>
+            <a:srgbClr val="FBAE40"/>
+          </p15:clr>
+        </p15:guide>
+      </p15:sldGuideLst>
+    </p:ext>
+  </p:extLst>
+</p:sldLayout>
+</file>
+
 <file path=ppt/slideMasters/slideMaster1.xml><?xml version="1.0" encoding="utf-8"?>
 <p:sldMaster xmlns:a="http://schemas.openxmlformats.org/drawingml/2006/main" xmlns:r="http://schemas.openxmlformats.org/officeDocument/2006/relationships" xmlns:p="http://schemas.openxmlformats.org/presentationml/2006/main">
   <p:cSld>
@@ -1046,7 +1618,7 @@
           <p:nvPr userDrawn="1"/>
         </p:nvPicPr>
         <p:blipFill>
-          <a:blip r:embed="rId3"/>
+          <a:blip r:embed="rId4"/>
           <a:stretch>
             <a:fillRect/>
           </a:stretch>
@@ -1128,7 +1700,7 @@
           <p:nvPr userDrawn="1"/>
         </p:nvPicPr>
         <p:blipFill rotWithShape="1">
-          <a:blip r:embed="rId4"/>
+          <a:blip r:embed="rId5"/>
           <a:srcRect t="30991" b="26494"/>
           <a:stretch/>
         </p:blipFill>
@@ -1293,6 +1865,7 @@
   <p:clrMap bg1="lt1" tx1="dk1" bg2="lt2" tx2="dk2" accent1="accent1" accent2="accent2" accent3="accent3" accent4="accent4" accent5="accent5" accent6="accent6" hlink="hlink" folHlink="folHlink"/>
   <p:sldLayoutIdLst>
     <p:sldLayoutId id="2147483677" r:id="rId1"/>
+    <p:sldLayoutId id="2147483678" r:id="rId2"/>
   </p:sldLayoutIdLst>
   <p:hf hdr="0" ftr="0" dt="0"/>
   <p:txStyles>
@@ -5779,14 +6352,14 @@
               <a:t>ÉVOLUTION &lt;SJR6P1&gt; &lt;NOMSOUSJACENTP1&gt; ENTRE LE </a:t>
             </a:r>
             <a:r>
-              <a:rPr lang="en-US" sz="1200" b="0" dirty="0">
+              <a:rPr lang="en-US" sz="1200" b="0">
                 <a:effectLst/>
                 <a:latin typeface="+mj-lt"/>
               </a:rPr>
-              <a:t>&lt;DDR1-12_MAJ&gt;</a:t>
-            </a:r>
-            <a:r>
-              <a:rPr lang="en-US" sz="1200" dirty="0">
+              <a:t>&lt;DDR1-12&gt;</a:t>
+            </a:r>
+            <a:r>
+              <a:rPr lang="en-US" sz="1200">
                 <a:latin typeface="+mj-lt"/>
               </a:rPr>
               <a:t> </a:t>
@@ -5795,7 +6368,7 @@
               <a:rPr lang="fr-FR" sz="1200" cap="none" dirty="0">
                 <a:latin typeface="Futura PT" panose="020B0902020204020203" pitchFamily="34" charset="0"/>
               </a:rPr>
-              <a:t>ET LE &lt;DDR1_MAJ&gt;</a:t>
+              <a:t>ET LE &lt;DDR1&gt;</a:t>
             </a:r>
           </a:p>
         </p:txBody>
@@ -20083,18 +20656,12 @@
       </p:grpSpPr>
       <p:sp>
         <p:nvSpPr>
-          <p:cNvPr id="2" name="Espace réservé du numéro de diapositive 1">
-            <a:extLst>
-              <a:ext uri="{FF2B5EF4-FFF2-40B4-BE49-F238E27FC236}">
-                <a16:creationId xmlns:a16="http://schemas.microsoft.com/office/drawing/2014/main" id="{6729D5DF-64B7-42E8-97CC-1D4950B37616}"/>
-              </a:ext>
-            </a:extLst>
-          </p:cNvPr>
+          <p:cNvPr id="6" name="Espace réservé du numéro de diapositive 5"/>
           <p:cNvSpPr>
             <a:spLocks noGrp="1"/>
           </p:cNvSpPr>
           <p:nvPr>
-            <p:ph type="sldNum" sz="quarter" idx="4"/>
+            <p:ph type="sldNum" sz="quarter" idx="12"/>
           </p:nvPr>
         </p:nvSpPr>
         <p:spPr/>
@@ -20102,44 +20669,168 @@
           <a:bodyPr/>
           <a:lstStyle/>
           <a:p>
-            <a:fld id="{58F0BA28-1212-45AE-B075-64C06113A6D3}" type="slidenum">
+            <a:fld id="{21A58941-C02C-41B5-9643-2C1F36B7BEEB}" type="slidenum">
               <a:rPr lang="fr-FR" smtClean="0"/>
               <a:pPr/>
               <a:t>14</a:t>
             </a:fld>
-            <a:endParaRPr lang="fr-FR" dirty="0"/>
+            <a:endParaRPr lang="fr-FR"/>
           </a:p>
         </p:txBody>
       </p:sp>
       <p:sp>
         <p:nvSpPr>
-          <p:cNvPr id="5" name="Text Box 2">
-            <a:extLst>
-              <a:ext uri="{FF2B5EF4-FFF2-40B4-BE49-F238E27FC236}">
-                <a16:creationId xmlns:a16="http://schemas.microsoft.com/office/drawing/2014/main" id="{6BFB109F-5627-4F3D-AFA6-008D738F143C}"/>
-              </a:ext>
-            </a:extLst>
-          </p:cNvPr>
-          <p:cNvSpPr txBox="1">
-            <a:spLocks noChangeArrowheads="1"/>
-          </p:cNvSpPr>
+          <p:cNvPr id="12" name="Rectangle 11"/>
+          <p:cNvSpPr/>
           <p:nvPr/>
         </p:nvSpPr>
-        <p:spPr bwMode="auto">
+        <p:spPr>
           <a:xfrm>
-            <a:off x="361950" y="9765983"/>
-            <a:ext cx="6483350" cy="266740"/>
+            <a:off x="653266" y="9863087"/>
+            <a:ext cx="6359682" cy="553998"/>
           </a:xfrm>
           <a:prstGeom prst="rect">
             <a:avLst/>
           </a:prstGeom>
-          <a:noFill/>
-          <a:ln w="9525">
-            <a:noFill/>
-            <a:miter lim="800000"/>
-            <a:headEnd/>
-            <a:tailEnd/>
+        </p:spPr>
+        <p:txBody>
+          <a:bodyPr wrap="square">
+            <a:spAutoFit/>
+          </a:bodyPr>
+          <a:lstStyle/>
+          <a:p>
+            <a:pPr algn="just"/>
+            <a:r>
+              <a:rPr lang="fr-FR" sz="600">
+                <a:solidFill>
+                  <a:schemeClr val="tx2"/>
+                </a:solidFill>
+                <a:ea typeface="SimSun" pitchFamily="2" charset="-122"/>
+                <a:cs typeface="Times New Roman" pitchFamily="18" charset="0"/>
+              </a:rPr>
+              <a:t>Siège social : Société Equitim, 52 Avenue André-Morizet - 92100 Boulogne-Billancourt.</a:t>
+            </a:r>
+          </a:p>
+          <a:p>
+            <a:pPr algn="just"/>
+            <a:r>
+              <a:rPr lang="fr-FR" sz="600">
+                <a:solidFill>
+                  <a:schemeClr val="tx2"/>
+                </a:solidFill>
+                <a:ea typeface="SimSun" pitchFamily="2" charset="-122"/>
+                <a:cs typeface="Times New Roman" pitchFamily="18" charset="0"/>
+              </a:rPr>
+              <a:t>Société par Actions Simplifiée de 947 369 euros.</a:t>
+            </a:r>
+          </a:p>
+          <a:p>
+            <a:pPr algn="just"/>
+            <a:r>
+              <a:rPr lang="fr-FR" sz="600">
+                <a:solidFill>
+                  <a:schemeClr val="tx2"/>
+                </a:solidFill>
+                <a:ea typeface="SimSun" pitchFamily="2" charset="-122"/>
+                <a:cs typeface="Times New Roman" pitchFamily="18" charset="0"/>
+              </a:rPr>
+              <a:t>Numéro SIRET : 50093363500012</a:t>
+            </a:r>
+          </a:p>
+          <a:p>
+            <a:pPr algn="just"/>
+            <a:r>
+              <a:rPr lang="fr-FR" sz="600">
+                <a:solidFill>
+                  <a:schemeClr val="tx2"/>
+                </a:solidFill>
+                <a:ea typeface="SimSun" pitchFamily="2" charset="-122"/>
+                <a:cs typeface="Times New Roman" pitchFamily="18" charset="0"/>
+              </a:rPr>
+              <a:t>Entreprise d’investissement agréée en 2013 par l’Autorité de Contrôle Prudentiel et de Résolution sous le numéro 11283 et contrôlée par cette même autorité et l’Autorité des Marchés Financiers</a:t>
+            </a:r>
+            <a:r>
+              <a:rPr lang="fr-FR" sz="600" i="1">
+                <a:solidFill>
+                  <a:schemeClr val="tx2"/>
+                </a:solidFill>
+                <a:ea typeface="SimSun" pitchFamily="2" charset="-122"/>
+                <a:cs typeface="Times New Roman" pitchFamily="18" charset="0"/>
+              </a:rPr>
+              <a:t>.</a:t>
+            </a:r>
+          </a:p>
+        </p:txBody>
+      </p:sp>
+      <p:sp>
+        <p:nvSpPr>
+          <p:cNvPr id="24" name="Rectangle">
+            <a:extLst>
+              <a:ext uri="{FF2B5EF4-FFF2-40B4-BE49-F238E27FC236}">
+                <a16:creationId xmlns:a16="http://schemas.microsoft.com/office/drawing/2014/main" id="{775B54BD-6CB4-4082-8133-017F9370B29E}"/>
+              </a:ext>
+            </a:extLst>
+          </p:cNvPr>
+          <p:cNvSpPr/>
+          <p:nvPr/>
+        </p:nvSpPr>
+        <p:spPr>
+          <a:xfrm>
+            <a:off x="653266" y="9704123"/>
+            <a:ext cx="6480000" cy="6846"/>
+          </a:xfrm>
+          <a:prstGeom prst="rect">
+            <a:avLst/>
+          </a:prstGeom>
+          <a:solidFill>
+            <a:srgbClr val="C5AF5C"/>
+          </a:solidFill>
+          <a:ln w="3175">
+            <a:miter lim="400000"/>
           </a:ln>
+        </p:spPr>
+        <p:txBody>
+          <a:bodyPr lIns="20981" tIns="20981" rIns="20981" bIns="20981" anchor="ctr"/>
+          <a:lstStyle/>
+          <a:p>
+            <a:pPr algn="ctr" defTabSz="825500">
+              <a:lnSpc>
+                <a:spcPct val="100000"/>
+              </a:lnSpc>
+              <a:defRPr sz="3200" b="0">
+                <a:solidFill>
+                  <a:srgbClr val="FFFFFF"/>
+                </a:solidFill>
+                <a:latin typeface="Helvetica Neue Medium"/>
+                <a:ea typeface="Helvetica Neue Medium"/>
+                <a:cs typeface="Helvetica Neue Medium"/>
+                <a:sym typeface="Helvetica Neue Medium"/>
+              </a:defRPr>
+            </a:pPr>
+            <a:endParaRPr/>
+          </a:p>
+        </p:txBody>
+      </p:sp>
+      <p:sp>
+        <p:nvSpPr>
+          <p:cNvPr id="16" name="Rectangle 15">
+            <a:extLst>
+              <a:ext uri="{FF2B5EF4-FFF2-40B4-BE49-F238E27FC236}">
+                <a16:creationId xmlns:a16="http://schemas.microsoft.com/office/drawing/2014/main" id="{38441194-9947-4D4B-82F2-F50428751A16}"/>
+              </a:ext>
+            </a:extLst>
+          </p:cNvPr>
+          <p:cNvSpPr/>
+          <p:nvPr/>
+        </p:nvSpPr>
+        <p:spPr>
+          <a:xfrm>
+            <a:off x="651212" y="1136637"/>
+            <a:ext cx="6449266" cy="7181966"/>
+          </a:xfrm>
+          <a:prstGeom prst="rect">
+            <a:avLst/>
+          </a:prstGeom>
         </p:spPr>
         <p:txBody>
           <a:bodyPr wrap="square" lIns="0" tIns="0" rIns="0" bIns="0">
@@ -20147,39 +20838,429 @@
           </a:bodyPr>
           <a:lstStyle/>
           <a:p>
-            <a:pPr algn="just" defTabSz="914400"/>
-            <a:r>
-              <a:rPr lang="fr-FR" sz="650" baseline="30000" dirty="0"/>
-              <a:t>Siège social : Société Equitim, 121 rue d'Aguesseau - 92100 Boulogne-Billancourt.</a:t>
+            <a:pPr algn="just">
+              <a:lnSpc>
+                <a:spcPct val="90000"/>
+              </a:lnSpc>
+              <a:spcBef>
+                <a:spcPts val="600"/>
+              </a:spcBef>
+            </a:pPr>
+            <a:r>
+              <a:rPr lang="fr-FR" sz="900" b="1" i="1" dirty="0">
+                <a:solidFill>
+                  <a:srgbClr val="000000"/>
+                </a:solidFill>
+              </a:rPr>
+              <a:t>Avant tout investissement dans ce produit, les investisseurs sont invités à se rapprocher de leurs conseils financiers, fiscaux, comptables et juridiques.</a:t>
             </a:r>
           </a:p>
           <a:p>
-            <a:pPr algn="just" defTabSz="914400"/>
-            <a:r>
-              <a:rPr lang="fr-FR" sz="650" baseline="30000" dirty="0"/>
-              <a:t>Société par Actions Simplifiée de 947 369 euros.</a:t>
-            </a:r>
+            <a:pPr algn="just">
+              <a:lnSpc>
+                <a:spcPct val="90000"/>
+              </a:lnSpc>
+              <a:spcBef>
+                <a:spcPts val="600"/>
+              </a:spcBef>
+            </a:pPr>
+            <a:r>
+              <a:rPr lang="fr-FR" sz="900" b="1" dirty="0">
+                <a:solidFill>
+                  <a:srgbClr val="000000"/>
+                </a:solidFill>
+              </a:rPr>
+              <a:t>Les principales caractéristiques des titres de créance exposées dans ce document à caractère promotionnel n’en sont qu’un résumé. Il appartient aux investisseurs de comprendre les risques, les avantages et inconvénients liés à un investissement dans les titres de créance et de prendre une décision d’investissement seulement après avoir examiné sérieusement, avec leurs conseillers, la compatibilité d’un investissement dans les titres de créance au regard de leur situation financière, après avoir lu le  présent document à caractère promotionnel et la documentation juridique des titres de créance et ne s’en remettent pas pour cela à une entité du Groupe BNP Paribas.</a:t>
+            </a:r>
+            <a:endParaRPr lang="fr-FR" sz="900" b="1" i="1" dirty="0">
+              <a:solidFill>
+                <a:srgbClr val="000000"/>
+              </a:solidFill>
+            </a:endParaRPr>
           </a:p>
           <a:p>
-            <a:pPr algn="just" defTabSz="914400"/>
-            <a:r>
-              <a:rPr lang="fr-FR" sz="650" baseline="30000" dirty="0"/>
-              <a:t>Numéro SIRET : 50093363500012</a:t>
-            </a:r>
+            <a:pPr lvl="0" algn="just">
+              <a:lnSpc>
+                <a:spcPct val="90000"/>
+              </a:lnSpc>
+            </a:pPr>
+            <a:endParaRPr lang="fr-FR" sz="900" dirty="0">
+              <a:solidFill>
+                <a:srgbClr val="000000"/>
+              </a:solidFill>
+            </a:endParaRPr>
           </a:p>
           <a:p>
-            <a:pPr algn="just" defTabSz="914400"/>
-            <a:r>
-              <a:rPr lang="fr-FR" sz="650" baseline="30000" dirty="0"/>
-              <a:t>Entreprise d’investissement agréée en 2013 par l’Autorité de Contrôle Prudentiel et de Résolution sous le numéro 11283 et contrôlée par cette même autorité et l’Autorité des Marchés Financiers.</a:t>
-            </a:r>
+            <a:pPr lvl="0" algn="just">
+              <a:lnSpc>
+                <a:spcPct val="90000"/>
+              </a:lnSpc>
+            </a:pPr>
+            <a:r>
+              <a:rPr lang="fr-FR" sz="900" b="1" dirty="0">
+                <a:solidFill>
+                  <a:srgbClr val="000000"/>
+                </a:solidFill>
+              </a:rPr>
+              <a:t>Conséquences des évènements affectant le sous-jacent : </a:t>
+            </a:r>
+            <a:r>
+              <a:rPr lang="fr-FR" sz="900" dirty="0">
+                <a:solidFill>
+                  <a:srgbClr val="000000"/>
+                </a:solidFill>
+              </a:rPr>
+              <a:t>Afin de prendre en compte les conséquences de certains évènements pouvant affecter le sous-jacent du produit, la documentation juridique relative au produit prévoit (i) des modalités d’ajustement et, dans certains cas (ii) le remboursement anticipé du produit. Ces éléments peuvent entrainer une perte en capital. Pour plus de détails sur ces évènements et leurs conséquences, se référer à la documentation juridique du produit. </a:t>
+            </a:r>
+          </a:p>
+          <a:p>
+            <a:pPr lvl="0" algn="just">
+              <a:lnSpc>
+                <a:spcPct val="90000"/>
+              </a:lnSpc>
+            </a:pPr>
+            <a:r>
+              <a:rPr lang="fr-FR" sz="900" b="1" dirty="0">
+                <a:solidFill>
+                  <a:srgbClr val="000000"/>
+                </a:solidFill>
+              </a:rPr>
+              <a:t>Garant de la formule : </a:t>
+            </a:r>
+            <a:r>
+              <a:rPr lang="fr-FR" sz="900" dirty="0">
+                <a:solidFill>
+                  <a:srgbClr val="000000"/>
+                </a:solidFill>
+              </a:rPr>
+              <a:t>le produit bénéficie d’une garantie de la formule par BNP Paribas S.A. (le « Garant de la formule »). Le paiement à la date convenue de toute somme due par le débiteur principal au titre du produit est garanti par le Garant de la formule, selon les termes et conditions prévus par un acte de garantie disponible auprès du Garant de la formule sur simple demande. En conséquence, l’investisseur supporte un risque de crédit sur le Garant de la formule.</a:t>
+            </a:r>
+          </a:p>
+          <a:p>
+            <a:pPr lvl="0" algn="just">
+              <a:lnSpc>
+                <a:spcPct val="90000"/>
+              </a:lnSpc>
+            </a:pPr>
+            <a:endParaRPr lang="fr-FR" sz="900" dirty="0">
+              <a:solidFill>
+                <a:srgbClr val="000000"/>
+              </a:solidFill>
+            </a:endParaRPr>
+          </a:p>
+          <a:p>
+            <a:pPr lvl="0" algn="just">
+              <a:lnSpc>
+                <a:spcPct val="90000"/>
+              </a:lnSpc>
+            </a:pPr>
+            <a:r>
+              <a:rPr lang="fr-FR" sz="900" b="1" dirty="0">
+                <a:solidFill>
+                  <a:srgbClr val="000000"/>
+                </a:solidFill>
+              </a:rPr>
+              <a:t>La documentation juridique des titres de créance est composée : (a) du Prospectus de Base pour l’Émission de Notes, daté du 1er juin 2022 approuvé par l’Autorité des Marchés Financiers (AMF) sous le numéro 22-187, (b) de ses Suppléments, (c) des Conditions Définitives de l’émission (« Final </a:t>
+            </a:r>
+            <a:r>
+              <a:rPr lang="fr-FR" sz="900" b="1" dirty="0" err="1">
+                <a:solidFill>
+                  <a:srgbClr val="000000"/>
+                </a:solidFill>
+              </a:rPr>
+              <a:t>Terms</a:t>
+            </a:r>
+            <a:r>
+              <a:rPr lang="fr-FR" sz="900" b="1" dirty="0">
+                <a:solidFill>
+                  <a:srgbClr val="000000"/>
+                </a:solidFill>
+              </a:rPr>
+              <a:t> ») datées du 24 juin 2022, ainsi que (d) du Résumé Spécifique lié à l’Émission (« Issue-</a:t>
+            </a:r>
+            <a:r>
+              <a:rPr lang="fr-FR" sz="900" b="1" dirty="0" err="1">
+                <a:solidFill>
+                  <a:srgbClr val="000000"/>
+                </a:solidFill>
+              </a:rPr>
+              <a:t>Specific</a:t>
+            </a:r>
+            <a:r>
+              <a:rPr lang="fr-FR" sz="900" b="1" dirty="0">
+                <a:solidFill>
+                  <a:srgbClr val="000000"/>
+                </a:solidFill>
+              </a:rPr>
+              <a:t> </a:t>
+            </a:r>
+            <a:r>
+              <a:rPr lang="fr-FR" sz="900" b="1" dirty="0" err="1">
+                <a:solidFill>
+                  <a:srgbClr val="000000"/>
+                </a:solidFill>
+              </a:rPr>
+              <a:t>Summary</a:t>
+            </a:r>
+            <a:r>
+              <a:rPr lang="fr-FR" sz="900" b="1" dirty="0">
+                <a:solidFill>
+                  <a:srgbClr val="000000"/>
+                </a:solidFill>
+              </a:rPr>
+              <a:t> ») dont une copie pourra être obtenue sur simple demande auprès de BNP Paribas Arbitrage SNC. L’approbation du prospectus par l’AMF ne doit pas être considéré comme un avis favorable de la part de l’AMF sur la qualité des titres de créance faisant l’objet de cette communication à caractère promotionnel.</a:t>
+            </a:r>
+          </a:p>
+          <a:p>
+            <a:pPr lvl="0" algn="just">
+              <a:lnSpc>
+                <a:spcPct val="90000"/>
+              </a:lnSpc>
+            </a:pPr>
+            <a:endParaRPr lang="fr-FR" sz="900" b="1" dirty="0">
+              <a:solidFill>
+                <a:srgbClr val="000000"/>
+              </a:solidFill>
+            </a:endParaRPr>
+          </a:p>
+          <a:p>
+            <a:pPr algn="just">
+              <a:lnSpc>
+                <a:spcPct val="90000"/>
+              </a:lnSpc>
+            </a:pPr>
+            <a:r>
+              <a:rPr lang="fr-FR" sz="900" b="1" dirty="0">
+                <a:solidFill>
+                  <a:srgbClr val="000000"/>
+                </a:solidFill>
+              </a:rPr>
+              <a:t>L’attention des investisseurs est notamment attirée sur le fait qu'en acquérant les titres de créance, ils prennent un risque de crédit sur l'Émetteur et sur le Garant de la formule. Les investisseurs sont également invités à prendre connaissance du Document d’Informations Clés disponible à l’adresse : </a:t>
+            </a:r>
+            <a:r>
+              <a:rPr lang="fr-FR" sz="900" b="1" dirty="0">
+                <a:solidFill>
+                  <a:srgbClr val="B9A049"/>
+                </a:solidFill>
+                <a:hlinkClick r:id="rId2">
+                  <a:extLst>
+                    <a:ext uri="{A12FA001-AC4F-418D-AE19-62706E023703}">
+                      <ahyp:hlinkClr xmlns:ahyp="http://schemas.microsoft.com/office/drawing/2018/hyperlinkcolor" val="tx"/>
+                    </a:ext>
+                  </a:extLst>
+                </a:hlinkClick>
+              </a:rPr>
+              <a:t>http://kid.bnpparibas.</a:t>
+            </a:r>
+            <a:r>
+              <a:rPr lang="fr-FR" sz="900" b="1">
+                <a:solidFill>
+                  <a:srgbClr val="B9A049"/>
+                </a:solidFill>
+                <a:hlinkClick r:id="rId2">
+                  <a:extLst>
+                    <a:ext uri="{A12FA001-AC4F-418D-AE19-62706E023703}">
+                      <ahyp:hlinkClr xmlns:ahyp="http://schemas.microsoft.com/office/drawing/2018/hyperlinkcolor" val="tx"/>
+                    </a:ext>
+                  </a:extLst>
+                </a:hlinkClick>
+              </a:rPr>
+              <a:t>com/&lt;ISIN&gt;-FR</a:t>
+            </a:r>
+            <a:r>
+              <a:rPr lang="fr-FR" sz="900" b="1" dirty="0">
+                <a:solidFill>
+                  <a:srgbClr val="B9A049"/>
+                </a:solidFill>
+                <a:hlinkClick r:id="rId2">
+                  <a:extLst>
+                    <a:ext uri="{A12FA001-AC4F-418D-AE19-62706E023703}">
+                      <ahyp:hlinkClr xmlns:ahyp="http://schemas.microsoft.com/office/drawing/2018/hyperlinkcolor" val="tx"/>
+                    </a:ext>
+                  </a:extLst>
+                </a:hlinkClick>
+              </a:rPr>
+              <a:t>.pdf</a:t>
+            </a:r>
+            <a:endParaRPr lang="fr-FR" sz="900" b="1" dirty="0">
+              <a:solidFill>
+                <a:srgbClr val="B9A049"/>
+              </a:solidFill>
+            </a:endParaRPr>
+          </a:p>
+          <a:p>
+            <a:pPr lvl="0" algn="just">
+              <a:lnSpc>
+                <a:spcPct val="90000"/>
+              </a:lnSpc>
+            </a:pPr>
+            <a:r>
+              <a:rPr lang="fr-FR" sz="900" b="1" dirty="0">
+                <a:solidFill>
+                  <a:srgbClr val="000000"/>
+                </a:solidFill>
+              </a:rPr>
+              <a:t>En cas d'incohérence entre ce document à caractère promotionnel et la documentation juridique des Titres de créance, cette dernière prévaudra. </a:t>
+            </a:r>
+          </a:p>
+          <a:p>
+            <a:pPr lvl="0" algn="just">
+              <a:lnSpc>
+                <a:spcPct val="90000"/>
+              </a:lnSpc>
+            </a:pPr>
+            <a:endParaRPr lang="fr-FR" sz="900" b="1" dirty="0">
+              <a:solidFill>
+                <a:srgbClr val="000000"/>
+              </a:solidFill>
+            </a:endParaRPr>
+          </a:p>
+          <a:p>
+            <a:pPr algn="just">
+              <a:lnSpc>
+                <a:spcPct val="90000"/>
+              </a:lnSpc>
+            </a:pPr>
+            <a:r>
+              <a:rPr lang="fr-FR" sz="900" b="1" dirty="0">
+                <a:solidFill>
+                  <a:srgbClr val="000000"/>
+                </a:solidFill>
+              </a:rPr>
+              <a:t>Rachat par BNP Paribas arbitrage S.N.C du produit : </a:t>
+            </a:r>
+            <a:r>
+              <a:rPr lang="fr-FR" sz="900" dirty="0">
+                <a:solidFill>
+                  <a:srgbClr val="000000"/>
+                </a:solidFill>
+              </a:rPr>
+              <a:t>BNP Paribas arbitrage S.N.C s'est engagé à assurer un marché secondaire sur le produit. BNP Paribas arbitrage S.N.C s'est expressément engagée à racheter ou proposer des prix pour le produit en cours de vie de ce dernier. L'exécution de cet engagement dépendra (i) des conditions générales de marché et (ii) des conditions de liquidité du (ou des) instrument(s) sous-jacent(s) et, le cas échéant, des autres opérations de couvertures conclues. Le prix du produit (en particulier la fourchette de prix achat/vente que BNP Paribas arbitrage S.N.C peut proposer, à tout moment) tiendra compte notamment des coûts de couverture et/ou de débouclement de la position de BNP Paribas arbitrage S.N.C liés à ce rachat. BNP Paribas arbitrage S.N.C et/ou ses entités affiliées ne sont aucunement responsables de telles conséquences et de leur impact sur les transactions liées au produit ou sur tout investissement dans le produit. </a:t>
+            </a:r>
+          </a:p>
+          <a:p>
+            <a:pPr lvl="0" algn="just">
+              <a:lnSpc>
+                <a:spcPct val="90000"/>
+              </a:lnSpc>
+            </a:pPr>
+            <a:r>
+              <a:rPr lang="fr-FR" sz="900" b="1" dirty="0">
+                <a:solidFill>
+                  <a:srgbClr val="000000"/>
+                </a:solidFill>
+              </a:rPr>
+              <a:t>Restrictions générales de vente : </a:t>
+            </a:r>
+            <a:r>
+              <a:rPr lang="fr-FR" sz="900" dirty="0">
+                <a:solidFill>
+                  <a:srgbClr val="000000"/>
+                </a:solidFill>
+              </a:rPr>
+              <a:t>il appartient à chaque investisseur de s’assurer qu’il est autorisé à souscrire ou à investir dans ce produit.</a:t>
+            </a:r>
+          </a:p>
+          <a:p>
+            <a:pPr lvl="0" algn="just">
+              <a:lnSpc>
+                <a:spcPct val="90000"/>
+              </a:lnSpc>
+            </a:pPr>
+            <a:r>
+              <a:rPr lang="fr-FR" sz="900" b="1" dirty="0">
+                <a:solidFill>
+                  <a:srgbClr val="000000"/>
+                </a:solidFill>
+              </a:rPr>
+              <a:t>Restrictions permanentes de vente aux États-Unis d'Amérique : </a:t>
+            </a:r>
+            <a:r>
+              <a:rPr lang="fr-FR" sz="900" dirty="0">
+                <a:solidFill>
+                  <a:srgbClr val="000000"/>
+                </a:solidFill>
+              </a:rPr>
+              <a:t>les titres décrits aux présentes qui sont désignés comme des titres avec restriction permanente ne peuvent à aucun moment, être la propriété légale ou effective d’une « U.S. Person » (au sens défini dans la régulation S) et par voie de conséquence, sont offerts et vendus hors des États-Unis à des personnes qui ne sont pas des ressortissants des États-Unis, sur le fondement de la régulation S.</a:t>
+            </a:r>
+          </a:p>
+          <a:p>
+            <a:pPr lvl="0" algn="just">
+              <a:lnSpc>
+                <a:spcPct val="90000"/>
+              </a:lnSpc>
+            </a:pPr>
+            <a:endParaRPr lang="fr-FR" sz="900" dirty="0">
+              <a:solidFill>
+                <a:srgbClr val="000000"/>
+              </a:solidFill>
+            </a:endParaRPr>
+          </a:p>
+          <a:p>
+            <a:pPr lvl="0" algn="just">
+              <a:lnSpc>
+                <a:spcPct val="90000"/>
+              </a:lnSpc>
+            </a:pPr>
+            <a:r>
+              <a:rPr lang="fr-FR" sz="900" b="1" dirty="0">
+                <a:solidFill>
+                  <a:srgbClr val="000000"/>
+                </a:solidFill>
+              </a:rPr>
+              <a:t>Caractère promotionnel de ce document : </a:t>
+            </a:r>
+            <a:r>
+              <a:rPr lang="fr-FR" sz="900" dirty="0">
+                <a:solidFill>
+                  <a:srgbClr val="000000"/>
+                </a:solidFill>
+              </a:rPr>
+              <a:t>le présent document est un document à caractère promotionnel et non de nature réglementaire. </a:t>
+            </a:r>
+          </a:p>
+          <a:p>
+            <a:pPr lvl="0" algn="just">
+              <a:lnSpc>
+                <a:spcPct val="90000"/>
+              </a:lnSpc>
+            </a:pPr>
+            <a:r>
+              <a:rPr lang="fr-FR" sz="900" b="1" dirty="0">
+                <a:solidFill>
+                  <a:srgbClr val="000000"/>
+                </a:solidFill>
+              </a:rPr>
+              <a:t>Performances sur la base de performances brutes : </a:t>
+            </a:r>
+            <a:r>
+              <a:rPr lang="fr-FR" sz="900" dirty="0">
+                <a:solidFill>
+                  <a:srgbClr val="000000"/>
+                </a:solidFill>
+              </a:rPr>
+              <a:t>les gains éventuels peuvent être réduits par l’effet de commissions, redevances, impôts ou autres charges supportées par l’investisseur. Lorsque l’instrument financier décrit dans ce document (ci-après l’ « instrument financier ») est proposé dans le cadre du contrat d’assurance vie ou de capitalisation (ci-après le « contrat d’assurance vie ou de capitalisation »), l’instrument financier est un actif représentatif de l’une des unités de compte de ce contrat. Ce document ne constitue pas une offre d’adhésion au contrat d’assurance vie ou de capitalisation. Ce document ne constitue pas une offre, une recommandation, une invitation ou un acte de démarchage visant à souscrire ou acheter l’instrument financier qui ne peut être diffusé directement ou indirectement dans le public qu’en conformité avec les dispositions des articles L. 411-1 et suivants du code monétaire et financier.</a:t>
+            </a:r>
+          </a:p>
+          <a:p>
+            <a:pPr lvl="0" algn="just">
+              <a:lnSpc>
+                <a:spcPct val="90000"/>
+              </a:lnSpc>
+            </a:pPr>
+            <a:endParaRPr lang="fr-FR" sz="900" dirty="0">
+              <a:solidFill>
+                <a:srgbClr val="000000"/>
+              </a:solidFill>
+              <a:latin typeface="Century Gothic" panose="020B0502020202020204" pitchFamily="34" charset="0"/>
+            </a:endParaRPr>
           </a:p>
         </p:txBody>
       </p:sp>
     </p:spTree>
     <p:extLst>
       <p:ext uri="{BB962C8B-B14F-4D97-AF65-F5344CB8AC3E}">
-        <p14:creationId xmlns:p14="http://schemas.microsoft.com/office/powerpoint/2010/main" val="441078789"/>
+        <p14:creationId xmlns:p14="http://schemas.microsoft.com/office/powerpoint/2010/main" val="557719269"/>
       </p:ext>
     </p:extLst>
   </p:cSld>
@@ -21705,7 +22786,7 @@
                 <a:ea typeface="+mn-ea"/>
                 <a:cs typeface="+mn-cs"/>
               </a:rPr>
-              <a:t>ou égal à &lt;BCPN&gt; &lt;balisedeg1&gt;</a:t>
+              <a:t>ou égal à &lt;ABAC&gt; &lt;balisedeg1&gt;</a:t>
             </a:r>
             <a:r>
               <a:rPr kumimoji="0" lang="fr-FR" sz="800" b="0" i="0" u="none" strike="noStrike" kern="1200" cap="none" spc="0" normalizeH="0" baseline="0" noProof="0" dirty="0">
@@ -25950,19 +27031,11 @@
             </a:pPr>
             <a:r>
               <a:rPr lang="fr-FR" sz="800" dirty="0"/>
-              <a:t>(Soit un Taux de Rendement Annuel net inférieur ou égal </a:t>
-            </a:r>
-            <a:r>
-              <a:rPr lang="fr-FR" sz="800"/>
-              <a:t>à &lt;TRA.ECHEANCE.PERTE.A&gt;</a:t>
-            </a:r>
-            <a:r>
-              <a:rPr lang="fr-FR" sz="800" baseline="30000"/>
-              <a:t>(</a:t>
+              <a:t>(Soit un Taux de Rendement Annuel net inférieur ou égal à &lt;TRA.ECHEANCE.PERTE.A&gt;</a:t>
             </a:r>
             <a:r>
               <a:rPr lang="fr-FR" sz="800" baseline="30000" dirty="0"/>
-              <a:t>2)</a:t>
+              <a:t>(2)</a:t>
             </a:r>
             <a:r>
               <a:rPr lang="fr-FR" sz="800" dirty="0"/>
@@ -36550,8 +37623,8 @@
 </file>
 
 <file path=customXml/item2.xml><?xml version="1.0" encoding="utf-8"?>
-<ct:contentTypeSchema xmlns:ct="http://schemas.microsoft.com/office/2006/metadata/contentType" xmlns:ma="http://schemas.microsoft.com/office/2006/metadata/properties/metaAttributes" ct:_="" ma:_="" ma:contentTypeName="Document" ma:contentTypeID="0x0101005DDE610BC516E448BB8152259F39635A" ma:contentTypeVersion="13" ma:contentTypeDescription="Crée un document." ma:contentTypeScope="" ma:versionID="4e51a0dab1f5d4663d954168d546c586">
-  <xsd:schema xmlns:xsd="http://www.w3.org/2001/XMLSchema" xmlns:xs="http://www.w3.org/2001/XMLSchema" xmlns:p="http://schemas.microsoft.com/office/2006/metadata/properties" xmlns:ns2="ef624bc2-1644-4d69-8362-5c28ca496374" xmlns:ns3="514a554b-82b0-4359-b247-fc84018a95f0" targetNamespace="http://schemas.microsoft.com/office/2006/metadata/properties" ma:root="true" ma:fieldsID="d7b51e5f287975310341ecd8502634d3" ns2:_="" ns3:_="">
+<ct:contentTypeSchema xmlns:ct="http://schemas.microsoft.com/office/2006/metadata/contentType" xmlns:ma="http://schemas.microsoft.com/office/2006/metadata/properties/metaAttributes" ct:_="" ma:_="" ma:contentTypeName="Document" ma:contentTypeID="0x0101005DDE610BC516E448BB8152259F39635A" ma:contentTypeVersion="17" ma:contentTypeDescription="Crée un document." ma:contentTypeScope="" ma:versionID="bfb75e103009df80b8e5001438c41194">
+  <xsd:schema xmlns:xsd="http://www.w3.org/2001/XMLSchema" xmlns:xs="http://www.w3.org/2001/XMLSchema" xmlns:p="http://schemas.microsoft.com/office/2006/metadata/properties" xmlns:ns2="ef624bc2-1644-4d69-8362-5c28ca496374" xmlns:ns3="514a554b-82b0-4359-b247-fc84018a95f0" targetNamespace="http://schemas.microsoft.com/office/2006/metadata/properties" ma:root="true" ma:fieldsID="2ae3df86d13efbb4a35042af2564d386" ns2:_="" ns3:_="">
     <xsd:import namespace="ef624bc2-1644-4d69-8362-5c28ca496374"/>
     <xsd:import namespace="514a554b-82b0-4359-b247-fc84018a95f0"/>
     <xsd:element name="properties">
@@ -36573,6 +37646,9 @@
                 <xsd:element ref="ns2:MediaServiceAutoKeyPoints" minOccurs="0"/>
                 <xsd:element ref="ns2:MediaServiceKeyPoints" minOccurs="0"/>
                 <xsd:element ref="ns2:_Flow_SignoffStatus" minOccurs="0"/>
+                <xsd:element ref="ns2:lcf76f155ced4ddcb4097134ff3c332f" minOccurs="0"/>
+                <xsd:element ref="ns3:TaxCatchAll" minOccurs="0"/>
+                <xsd:element ref="ns2:MediaLengthInSeconds" minOccurs="0"/>
               </xsd:all>
             </xsd:complexType>
           </xsd:element>
@@ -36642,6 +37718,18 @@
         <xsd:restriction base="dms:Text"/>
       </xsd:simpleType>
     </xsd:element>
+    <xsd:element name="lcf76f155ced4ddcb4097134ff3c332f" ma:index="22" nillable="true" ma:taxonomy="true" ma:internalName="lcf76f155ced4ddcb4097134ff3c332f" ma:taxonomyFieldName="MediaServiceImageTags" ma:displayName="Balises d’images" ma:readOnly="false" ma:fieldId="{5cf76f15-5ced-4ddc-b409-7134ff3c332f}" ma:taxonomyMulti="true" ma:sspId="5604eaa7-7f48-49f2-a7a3-87e28e00304d" ma:termSetId="09814cd3-568e-fe90-9814-8d621ff8fb84" ma:anchorId="fba54fb3-c3e1-fe81-a776-ca4b69148c4d" ma:open="true" ma:isKeyword="false">
+      <xsd:complexType>
+        <xsd:sequence>
+          <xsd:element ref="pc:Terms" minOccurs="0" maxOccurs="1"/>
+        </xsd:sequence>
+      </xsd:complexType>
+    </xsd:element>
+    <xsd:element name="MediaLengthInSeconds" ma:index="24" nillable="true" ma:displayName="MediaLengthInSeconds" ma:hidden="true" ma:internalName="MediaLengthInSeconds" ma:readOnly="true">
+      <xsd:simpleType>
+        <xsd:restriction base="dms:Unknown"/>
+      </xsd:simpleType>
+    </xsd:element>
   </xsd:schema>
   <xsd:schema xmlns:xsd="http://www.w3.org/2001/XMLSchema" xmlns:xs="http://www.w3.org/2001/XMLSchema" xmlns:dms="http://schemas.microsoft.com/office/2006/documentManagement/types" xmlns:pc="http://schemas.microsoft.com/office/infopath/2007/PartnerControls" targetNamespace="514a554b-82b0-4359-b247-fc84018a95f0" elementFormDefault="qualified">
     <xsd:import namespace="http://schemas.microsoft.com/office/2006/documentManagement/types"/>
@@ -36671,6 +37759,17 @@
           <xsd:maxLength value="255"/>
         </xsd:restriction>
       </xsd:simpleType>
+    </xsd:element>
+    <xsd:element name="TaxCatchAll" ma:index="23" nillable="true" ma:displayName="Taxonomy Catch All Column" ma:hidden="true" ma:list="{56d650d2-3c99-4a10-8e9e-56f47bffeb82}" ma:internalName="TaxCatchAll" ma:showField="CatchAllData" ma:web="514a554b-82b0-4359-b247-fc84018a95f0">
+      <xsd:complexType>
+        <xsd:complexContent>
+          <xsd:extension base="dms:MultiChoiceLookup">
+            <xsd:sequence>
+              <xsd:element name="Value" type="dms:Lookup" maxOccurs="unbounded" minOccurs="0" nillable="true"/>
+            </xsd:sequence>
+          </xsd:extension>
+        </xsd:complexContent>
+      </xsd:complexType>
     </xsd:element>
   </xsd:schema>
   <xsd:schema xmlns="http://schemas.openxmlformats.org/package/2006/metadata/core-properties" xmlns:xsd="http://www.w3.org/2001/XMLSchema" xmlns:xsi="http://www.w3.org/2001/XMLSchema-instance" xmlns:dc="http://purl.org/dc/elements/1.1/" xmlns:dcterms="http://purl.org/dc/terms/" xmlns:odoc="http://schemas.microsoft.com/internal/obd" targetNamespace="http://schemas.openxmlformats.org/package/2006/metadata/core-properties" elementFormDefault="qualified" attributeFormDefault="unqualified" blockDefault="#all">
@@ -36776,6 +37875,10 @@
 <p:properties xmlns:p="http://schemas.microsoft.com/office/2006/metadata/properties" xmlns:xsi="http://www.w3.org/2001/XMLSchema-instance" xmlns:pc="http://schemas.microsoft.com/office/infopath/2007/PartnerControls">
   <documentManagement>
     <_Flow_SignoffStatus xmlns="ef624bc2-1644-4d69-8362-5c28ca496374" xsi:nil="true"/>
+    <TaxCatchAll xmlns="514a554b-82b0-4359-b247-fc84018a95f0" xsi:nil="true"/>
+    <lcf76f155ced4ddcb4097134ff3c332f xmlns="ef624bc2-1644-4d69-8362-5c28ca496374">
+      <Terms xmlns="http://schemas.microsoft.com/office/infopath/2007/PartnerControls"/>
+    </lcf76f155ced4ddcb4097134ff3c332f>
   </documentManagement>
 </p:properties>
 </file>
@@ -36789,22 +37892,7 @@
 </file>
 
 <file path=customXml/itemProps2.xml><?xml version="1.0" encoding="utf-8"?>
-<ds:datastoreItem xmlns:ds="http://schemas.openxmlformats.org/officeDocument/2006/customXml" ds:itemID="{41EF0323-6FE8-41A6-BEA1-CC5178579BBD}">
-  <ds:schemaRefs>
-    <ds:schemaRef ds:uri="http://schemas.microsoft.com/office/2006/metadata/contentType"/>
-    <ds:schemaRef ds:uri="http://schemas.microsoft.com/office/2006/metadata/properties/metaAttributes"/>
-    <ds:schemaRef ds:uri="http://www.w3.org/2001/XMLSchema"/>
-    <ds:schemaRef ds:uri="http://schemas.microsoft.com/office/2006/metadata/properties"/>
-    <ds:schemaRef ds:uri="ef624bc2-1644-4d69-8362-5c28ca496374"/>
-    <ds:schemaRef ds:uri="514a554b-82b0-4359-b247-fc84018a95f0"/>
-    <ds:schemaRef ds:uri="http://schemas.microsoft.com/office/2006/documentManagement/types"/>
-    <ds:schemaRef ds:uri="http://schemas.microsoft.com/office/infopath/2007/PartnerControls"/>
-    <ds:schemaRef ds:uri="http://schemas.openxmlformats.org/package/2006/metadata/core-properties"/>
-    <ds:schemaRef ds:uri="http://purl.org/dc/elements/1.1/"/>
-    <ds:schemaRef ds:uri="http://purl.org/dc/terms/"/>
-    <ds:schemaRef ds:uri="http://schemas.microsoft.com/internal/obd"/>
-  </ds:schemaRefs>
-</ds:datastoreItem>
+<ds:datastoreItem xmlns:ds="http://schemas.openxmlformats.org/officeDocument/2006/customXml" ds:itemID="{049ECCCF-890C-4C54-BAB4-06AB610C1865}"/>
 </file>
 
 <file path=customXml/itemProps3.xml><?xml version="1.0" encoding="utf-8"?>

--- a/Templates/BNP.pptx
+++ b/Templates/BNP.pptx
@@ -238,7 +238,7 @@
           <a:p>
             <a:fld id="{515CCE07-1711-4DC7-A7D8-7ED312C82FB8}" type="datetimeFigureOut">
               <a:rPr lang="fr-FR" smtClean="0"/>
-              <a:t>20/06/2022</a:t>
+              <a:t>29/06/2022</a:t>
             </a:fld>
             <a:endParaRPr lang="fr-FR"/>
           </a:p>
@@ -403,7 +403,7 @@
           <a:p>
             <a:fld id="{014ABEAC-8B63-4BD1-9569-A14EB8752A94}" type="datetimeFigureOut">
               <a:rPr lang="fr-FR" smtClean="0"/>
-              <a:t>20/06/2022</a:t>
+              <a:t>29/06/2022</a:t>
             </a:fld>
             <a:endParaRPr lang="fr-FR"/>
           </a:p>
@@ -2581,7 +2581,23 @@
                   <a:srgbClr val="000000"/>
                 </a:solidFill>
               </a:rPr>
-              <a:t>&lt;DIC&gt; </a:t>
+              <a:t>&lt;</a:t>
+            </a:r>
+            <a:r>
+              <a:rPr lang="fr-FR" sz="800" cap="none" dirty="0">
+                <a:solidFill>
+                  <a:schemeClr val="tx2"/>
+                </a:solidFill>
+              </a:rPr>
+              <a:t>DIC&gt;</a:t>
+            </a:r>
+            <a:r>
+              <a:rPr lang="fr-FR" sz="800" b="1" dirty="0">
+                <a:solidFill>
+                  <a:srgbClr val="000000"/>
+                </a:solidFill>
+              </a:rPr>
+              <a:t> </a:t>
             </a:r>
             <a:r>
               <a:rPr lang="fr-FR" sz="800" cap="none" dirty="0">
@@ -3307,7 +3323,7 @@
                 </a:solidFill>
                 <a:latin typeface="+mn-lt"/>
               </a:rPr>
-              <a:t>&lt;DIVIDENDE&gt;</a:t>
+              <a:t>&lt;BLOCDIVIDENDE2&gt;</a:t>
             </a:r>
           </a:p>
         </p:txBody>
@@ -6758,7 +6774,7 @@
           <p:nvPr>
             <p:extLst>
               <p:ext uri="{D42A27DB-BD31-4B8C-83A1-F6EECF244321}">
-                <p14:modId xmlns:p14="http://schemas.microsoft.com/office/powerpoint/2010/main" val="3800238041"/>
+                <p14:modId xmlns:p14="http://schemas.microsoft.com/office/powerpoint/2010/main" val="3527629152"/>
               </p:ext>
             </p:extLst>
           </p:nvPr>
@@ -10784,7 +10800,7 @@
                           <a:ea typeface="+mn-ea"/>
                           <a:cs typeface="+mn-cs"/>
                         </a:rPr>
-                        <a:t>&lt;BAC&gt; du &lt;NDR&gt; &lt;SJR7&gt;</a:t>
+                        <a:t>&lt;BRA&gt;</a:t>
                       </a:r>
                     </a:p>
                   </a:txBody>
@@ -10969,7 +10985,7 @@
                           <a:ea typeface="+mn-ea"/>
                           <a:cs typeface="+mn-cs"/>
                         </a:rPr>
-                        <a:t>&lt;SV&gt; du &lt;NDR&gt; &lt;SJR7&gt;</a:t>
+                        <a:t>&lt;BVC&gt;</a:t>
                       </a:r>
                     </a:p>
                   </a:txBody>
@@ -13907,7 +13923,7 @@
           <p:nvPr>
             <p:extLst>
               <p:ext uri="{D42A27DB-BD31-4B8C-83A1-F6EECF244321}">
-                <p14:modId xmlns:p14="http://schemas.microsoft.com/office/powerpoint/2010/main" val="1720198660"/>
+                <p14:modId xmlns:p14="http://schemas.microsoft.com/office/powerpoint/2010/main" val="1931504402"/>
               </p:ext>
             </p:extLst>
           </p:nvPr>
@@ -18149,7 +18165,7 @@
                           <a:ea typeface="+mn-ea"/>
                           <a:cs typeface="+mn-cs"/>
                         </a:rPr>
-                        <a:t>&lt;BAC&gt; du &lt;NDR&gt; &lt;SJR7&gt;</a:t>
+                        <a:t>&lt;BRA&gt;</a:t>
                       </a:r>
                     </a:p>
                   </a:txBody>
@@ -18334,7 +18350,7 @@
                           <a:ea typeface="+mn-ea"/>
                           <a:cs typeface="+mn-cs"/>
                         </a:rPr>
-                        <a:t>&lt;ABAC&gt; du &lt;NDR&gt; &lt;SJR7&gt;</a:t>
+                        <a:t>&lt;BVC&gt;</a:t>
                       </a:r>
                     </a:p>
                   </a:txBody>
@@ -22374,7 +22390,7 @@
                 <a:ea typeface="+mn-ea"/>
                 <a:cs typeface="+mn-cs"/>
               </a:rPr>
-              <a:t>Pour un investissement dans « &lt;NOM&gt; », vous êtes exposés pour une durée de &lt;1PR&gt; à &lt;DPRR&gt; &lt;F0&gt;&lt;F0s&gt; à l’évolution &lt;SJR6&gt;</a:t>
+              <a:t>Pour un investissement dans « &lt;NOM&gt; », vous êtes exposés pour une durée de &lt;DUREE&gt; à l’évolution &lt;SJR6&gt;</a:t>
             </a:r>
             <a:r>
               <a:rPr lang="fr-FR" sz="800" b="1" dirty="0">
@@ -22562,21 +22578,7 @@
                 <a:ea typeface="+mn-ea"/>
                 <a:cs typeface="+mn-cs"/>
               </a:rPr>
-              <a:t>… avec un mécanisme de remboursement anticipé à hauteur de l’intégralité du capital initial, activable automatiquement à partir de la fin &lt;DU&gt; &lt;F0&gt; &lt;1PR&gt; jusqu'à la fin &lt;DU&gt; &lt;F0&gt; &lt;ADPR&gt;</a:t>
-            </a:r>
-            <a:r>
-              <a:rPr kumimoji="0" lang="fr-FR" sz="800" b="1" i="0" u="none" strike="noStrike" kern="1200" cap="none" spc="0" normalizeH="0" baseline="0" noProof="0" dirty="0">
-                <a:ln>
-                  <a:noFill/>
-                </a:ln>
-                <a:effectLst/>
-                <a:uLnTx/>
-                <a:uFillTx/>
-                <a:latin typeface="Proxima Nova Rg"/>
-                <a:ea typeface="+mn-ea"/>
-                <a:cs typeface="+mn-cs"/>
-              </a:rPr>
-              <a:t> </a:t>
+              <a:t>… avec un mécanisme de remboursement anticipé à hauteur de l’intégralité du capital initial, activable automatiquement à partir &lt;PERIODE_DE_REMBOURSEMENT&gt; </a:t>
             </a:r>
             <a:r>
               <a:rPr kumimoji="0" lang="fr-FR" sz="800" b="0" i="0" u="none" strike="noStrike" kern="1200" cap="none" spc="0" normalizeH="0" baseline="0" noProof="0" dirty="0">
@@ -22716,7 +22718,7 @@
                 <a:ea typeface="+mn-ea"/>
                 <a:cs typeface="+mn-cs"/>
               </a:rPr>
-              <a:t>avec un objectif de gain fixe plafonné à &lt;CPN&gt; par &lt;F0&gt; &lt;F2&gt; depuis le &lt;DDCI&gt; (soit &lt;GCA&gt; par année écoulée) </a:t>
+              <a:t>avec un objectif de gain fixe plafonné à &lt;CPN&gt; par &lt;F0&gt; &lt;F2&gt; depuis le &lt;DDCI&gt; &lt;ANNUALISE&gt; </a:t>
             </a:r>
             <a:r>
               <a:rPr kumimoji="0" lang="fr-FR" sz="800" b="0" i="0" u="none" strike="noStrike" kern="1200" cap="none" spc="0" normalizeH="0" baseline="0" noProof="0" dirty="0">
@@ -23011,7 +23013,16 @@
                 </a:solidFill>
                 <a:latin typeface="Proxima Nova Rg"/>
               </a:rPr>
-              <a:t>&lt;TRA.F.A&gt;(</a:t>
+              <a:t>&lt;TRA.F.A&gt;</a:t>
+            </a:r>
+            <a:r>
+              <a:rPr lang="fr-FR" sz="800" baseline="30000" dirty="0">
+                <a:solidFill>
+                  <a:schemeClr val="tx1"/>
+                </a:solidFill>
+                <a:latin typeface="Proxima Nova Rg"/>
+              </a:rPr>
+              <a:t>(</a:t>
             </a:r>
             <a:r>
               <a:rPr kumimoji="0" lang="fr-FR" sz="800" b="0" i="0" u="none" strike="noStrike" kern="1200" cap="none" spc="0" normalizeH="0" baseline="30000" noProof="0" dirty="0">
@@ -24352,7 +24363,7 @@
                 <a:ea typeface="+mn-ea"/>
                 <a:cs typeface="+mn-cs"/>
               </a:rPr>
-              <a:t>Pour un investissement dans « &lt;NOM&gt; », vous êtes exposé pour une durée de &lt;1PR&gt; à &lt;DPRR&gt; &lt;F0&gt;&lt;F0s&gt; à l’évolution &lt;SJR6&gt;</a:t>
+              <a:t>Pour un investissement dans « &lt;NOM&gt; », vous êtes exposé pour une durée  &lt;DUREE&gt; à l’évolution &lt;SJR6&gt;</a:t>
             </a:r>
             <a:r>
               <a:rPr lang="fr-FR" sz="800" b="1" dirty="0">
@@ -24504,7 +24515,7 @@
                 <a:ea typeface="+mn-ea"/>
                 <a:cs typeface="+mn-cs"/>
               </a:rPr>
-              <a:t>, clôture à un &lt;SJR3&gt; strictement inférieur à &lt;PDI&gt; de son &lt;NDR&gt;.</a:t>
+              <a:t>, clôture à un &lt;SJR3&gt; strictement inférieur à &lt;PDI&gt; de son &lt;NDR&gt;. &lt;WALLY&gt;</a:t>
             </a:r>
           </a:p>
           <a:p>
@@ -24694,7 +24705,7 @@
                 <a:ea typeface="+mn-ea"/>
                 <a:cs typeface="+mn-cs"/>
               </a:rPr>
-              <a:t>avec un objectif de coupon fixe plafonné à &lt;CPN&gt; par &lt;F0&gt; (soit &lt;GCA&gt; par année écoulée)&lt;Mémoire6&gt; </a:t>
+              <a:t>avec un objectif de coupon fixe plafonné à &lt;CPN&gt; par &lt;F0&gt; &lt;ANNUALISE&gt;&lt;Mémoire6&gt; </a:t>
             </a:r>
             <a:r>
               <a:rPr kumimoji="0" lang="fr-FR" sz="800" b="0" i="0" u="none" strike="noStrike" kern="1200" cap="none" spc="0" normalizeH="0" baseline="0" noProof="0" dirty="0">
@@ -26256,7 +26267,7 @@
         <p:spPr>
           <a:xfrm>
             <a:off x="910052" y="2345793"/>
-            <a:ext cx="6005163" cy="738664"/>
+            <a:ext cx="6005163" cy="615553"/>
           </a:xfrm>
           <a:prstGeom prst="rect">
             <a:avLst/>
@@ -26292,7 +26303,7 @@
                   <a:schemeClr val="tx2"/>
                 </a:solidFill>
               </a:rPr>
-              <a:t>à partir de la fin &lt;DU&gt; &lt;F0&gt; &lt;1PR&gt; et jusqu’à la fin &lt;DU&gt; &lt;F0&gt; &lt;ADPR&gt;, on observe le &lt;SJR3&gt; de clôture &lt;SJR7&gt;</a:t>
+              <a:t>à partir &lt;PERIODE_DE_REMBOURSEMENT&gt; ,on observe le &lt;SJR3&gt; de clôture &lt;SJR7&gt;</a:t>
             </a:r>
             <a:r>
               <a:rPr lang="en-US" sz="800" dirty="0">
@@ -32826,7 +32837,7 @@
                   <a:srgbClr val="000000"/>
                 </a:solidFill>
               </a:rPr>
-              <a:t>De la fin &lt;DU&gt; &lt;F0&gt; &lt;1PR&gt; jusqu'à la fin &lt;DU&gt; &lt;F0&gt; &lt;ADPR&gt;, si à l’une des dates de constatation &lt;F1&gt; correspondantes</a:t>
+              <a:t>&lt;PERIODE_DE_REMBOURSEMENT&gt;, si à l’une des dates de constatation &lt;F1&gt; correspondantes</a:t>
             </a:r>
             <a:r>
               <a:rPr lang="fr-FR" sz="800" baseline="30000" dirty="0">
@@ -33207,16 +33218,29 @@
                   <a:srgbClr val="000000"/>
                 </a:solidFill>
               </a:rPr>
-              <a:t>L’investisseur ne connaît pas à l’avance la durée exacte de son investissement qui peut varier de </a:t>
-            </a:r>
-            <a:r>
-              <a:rPr lang="fr-FR" sz="800" b="1" dirty="0">
+              <a:t>L’investisseur ne connaît pas à l’avance la durée exacte de son investissement qui peut varier </a:t>
+            </a:r>
+            <a:r>
+              <a:rPr lang="fr-FR" sz="800">
                 <a:solidFill>
                   <a:srgbClr val="000000"/>
                 </a:solidFill>
               </a:rPr>
-              <a:t>&lt;1PR&gt; à &lt;DPRR&gt; &lt;F0&gt;&lt;F0s&gt;.</a:t>
-            </a:r>
+              <a:t>de </a:t>
+            </a:r>
+            <a:r>
+              <a:rPr lang="fr-FR" sz="800" b="1">
+                <a:solidFill>
+                  <a:srgbClr val="000000"/>
+                </a:solidFill>
+              </a:rPr>
+              <a:t>&lt;DUREE&gt;.</a:t>
+            </a:r>
+            <a:endParaRPr lang="fr-FR" sz="800" b="1" dirty="0">
+              <a:solidFill>
+                <a:srgbClr val="000000"/>
+              </a:solidFill>
+            </a:endParaRPr>
           </a:p>
           <a:p>
             <a:pPr marL="171450" indent="-171450" algn="just">
@@ -35342,7 +35366,7 @@
         </p:nvSpPr>
         <p:spPr bwMode="auto">
           <a:xfrm>
-            <a:off x="361950" y="9765983"/>
+            <a:off x="242887" y="9829358"/>
             <a:ext cx="6483350" cy="700192"/>
           </a:xfrm>
           <a:prstGeom prst="rect">
@@ -35458,33 +35482,17 @@
                 <a:highlight>
                   <a:srgbClr val="FFFF00"/>
                 </a:highlight>
+              </a:rPr>
+              <a:t>)</a:t>
+            </a:r>
+            <a:r>
+              <a:rPr lang="fr-FR" sz="650" dirty="0">
+                <a:solidFill>
+                  <a:schemeClr val="tx2"/>
+                </a:solidFill>
                 <a:latin typeface="+mn-lt"/>
               </a:rPr>
-              <a:t>) </a:t>
-            </a:r>
-            <a:r>
-              <a:rPr lang="fr-FR" sz="650" dirty="0">
-                <a:solidFill>
-                  <a:schemeClr val="tx2"/>
-                </a:solidFill>
-                <a:highlight>
-                  <a:srgbClr val="FFFF00"/>
-                </a:highlight>
-                <a:latin typeface="+mn-lt"/>
-              </a:rPr>
-              <a:t>Hors prise en compte des dividendes éventuels détachés par </a:t>
-            </a:r>
-            <a:r>
-              <a:rPr lang="it-IT" sz="650" dirty="0">
-                <a:solidFill>
-                  <a:schemeClr val="tx2"/>
-                </a:solidFill>
-                <a:highlight>
-                  <a:srgbClr val="FFFF00"/>
-                </a:highlight>
-                <a:latin typeface="+mn-lt"/>
-              </a:rPr>
-              <a:t>&lt;SJR1&gt;</a:t>
+              <a:t>&lt;BLOCDIVIDENDE2&gt;</a:t>
             </a:r>
             <a:endParaRPr lang="fr-FR" sz="650" dirty="0">
               <a:solidFill>
@@ -36285,7 +36293,7 @@
               <a:rPr lang="fr-FR" sz="800" dirty="0">
                 <a:latin typeface="+mn-lt"/>
               </a:rPr>
-              <a:t>des &lt;F0&gt;&lt;F0s&gt; &lt;1PR&gt; à &lt;ADPR&gt;</a:t>
+              <a:t>&lt;PERIODE_DE_REMBOURSEMENT2&gt;</a:t>
             </a:r>
             <a:r>
               <a:rPr lang="fr-FR" sz="800" dirty="0"/>
@@ -36442,13 +36450,28 @@
                 </a:solidFill>
                 <a:latin typeface="+mn-lt"/>
               </a:rPr>
-              <a:t>(1)</a:t>
+              <a:t>(1</a:t>
+            </a:r>
+            <a:r>
+              <a:rPr lang="fr-FR" sz="800" baseline="30000">
+                <a:solidFill>
+                  <a:srgbClr val="04202E"/>
+                </a:solidFill>
+                <a:latin typeface="+mn-lt"/>
+              </a:rPr>
+              <a:t>)</a:t>
+            </a:r>
+            <a:r>
+              <a:rPr lang="fr-FR" sz="800">
+                <a:latin typeface="+mn-lt"/>
+              </a:rPr>
+              <a:t> &lt;PERIODE_DE_REMBOURSEMENT2&gt; , </a:t>
             </a:r>
             <a:r>
               <a:rPr lang="fr-FR" sz="800" dirty="0">
                 <a:latin typeface="+mn-lt"/>
               </a:rPr>
-              <a:t> des &lt;F0&gt;&lt;F0s&gt; &lt;1PR&gt; à &lt;ADPR&gt;, &lt;SJR1&gt; clôture à </a:t>
+              <a:t>&lt;SJR1&gt; clôture à </a:t>
             </a:r>
             <a:r>
               <a:rPr lang="fr-FR" sz="800" dirty="0">
@@ -37623,6 +37646,18 @@
 </file>
 
 <file path=customXml/item2.xml><?xml version="1.0" encoding="utf-8"?>
+<p:properties xmlns:p="http://schemas.microsoft.com/office/2006/metadata/properties" xmlns:xsi="http://www.w3.org/2001/XMLSchema-instance" xmlns:pc="http://schemas.microsoft.com/office/infopath/2007/PartnerControls">
+  <documentManagement>
+    <_Flow_SignoffStatus xmlns="ef624bc2-1644-4d69-8362-5c28ca496374" xsi:nil="true"/>
+    <TaxCatchAll xmlns="514a554b-82b0-4359-b247-fc84018a95f0" xsi:nil="true"/>
+    <lcf76f155ced4ddcb4097134ff3c332f xmlns="ef624bc2-1644-4d69-8362-5c28ca496374">
+      <Terms xmlns="http://schemas.microsoft.com/office/infopath/2007/PartnerControls"/>
+    </lcf76f155ced4ddcb4097134ff3c332f>
+  </documentManagement>
+</p:properties>
+</file>
+
+<file path=customXml/item3.xml><?xml version="1.0" encoding="utf-8"?>
 <ct:contentTypeSchema xmlns:ct="http://schemas.microsoft.com/office/2006/metadata/contentType" xmlns:ma="http://schemas.microsoft.com/office/2006/metadata/properties/metaAttributes" ct:_="" ma:_="" ma:contentTypeName="Document" ma:contentTypeID="0x0101005DDE610BC516E448BB8152259F39635A" ma:contentTypeVersion="17" ma:contentTypeDescription="Crée un document." ma:contentTypeScope="" ma:versionID="bfb75e103009df80b8e5001438c41194">
   <xsd:schema xmlns:xsd="http://www.w3.org/2001/XMLSchema" xmlns:xs="http://www.w3.org/2001/XMLSchema" xmlns:p="http://schemas.microsoft.com/office/2006/metadata/properties" xmlns:ns2="ef624bc2-1644-4d69-8362-5c28ca496374" xmlns:ns3="514a554b-82b0-4359-b247-fc84018a95f0" targetNamespace="http://schemas.microsoft.com/office/2006/metadata/properties" ma:root="true" ma:fieldsID="2ae3df86d13efbb4a35042af2564d386" ns2:_="" ns3:_="">
     <xsd:import namespace="ef624bc2-1644-4d69-8362-5c28ca496374"/>
@@ -37871,18 +37906,6 @@
 </ct:contentTypeSchema>
 </file>
 
-<file path=customXml/item3.xml><?xml version="1.0" encoding="utf-8"?>
-<p:properties xmlns:p="http://schemas.microsoft.com/office/2006/metadata/properties" xmlns:xsi="http://www.w3.org/2001/XMLSchema-instance" xmlns:pc="http://schemas.microsoft.com/office/infopath/2007/PartnerControls">
-  <documentManagement>
-    <_Flow_SignoffStatus xmlns="ef624bc2-1644-4d69-8362-5c28ca496374" xsi:nil="true"/>
-    <TaxCatchAll xmlns="514a554b-82b0-4359-b247-fc84018a95f0" xsi:nil="true"/>
-    <lcf76f155ced4ddcb4097134ff3c332f xmlns="ef624bc2-1644-4d69-8362-5c28ca496374">
-      <Terms xmlns="http://schemas.microsoft.com/office/infopath/2007/PartnerControls"/>
-    </lcf76f155ced4ddcb4097134ff3c332f>
-  </documentManagement>
-</p:properties>
-</file>
-
 <file path=customXml/itemProps1.xml><?xml version="1.0" encoding="utf-8"?>
 <ds:datastoreItem xmlns:ds="http://schemas.openxmlformats.org/officeDocument/2006/customXml" ds:itemID="{B00FC41E-FBDE-42E2-B58A-20EBD240A376}">
   <ds:schemaRefs>
@@ -37892,10 +37915,6 @@
 </file>
 
 <file path=customXml/itemProps2.xml><?xml version="1.0" encoding="utf-8"?>
-<ds:datastoreItem xmlns:ds="http://schemas.openxmlformats.org/officeDocument/2006/customXml" ds:itemID="{049ECCCF-890C-4C54-BAB4-06AB610C1865}"/>
-</file>
-
-<file path=customXml/itemProps3.xml><?xml version="1.0" encoding="utf-8"?>
 <ds:datastoreItem xmlns:ds="http://schemas.openxmlformats.org/officeDocument/2006/customXml" ds:itemID="{25DE574B-2CD2-4078-9BEA-2A14717D9698}">
   <ds:schemaRefs>
     <ds:schemaRef ds:uri="ef624bc2-1644-4d69-8362-5c28ca496374"/>
@@ -37910,4 +37929,23 @@
     <ds:schemaRef ds:uri="http://purl.org/dc/dcmitype/"/>
   </ds:schemaRefs>
 </ds:datastoreItem>
+</file>
+
+<file path=customXml/itemProps3.xml><?xml version="1.0" encoding="utf-8"?>
+<ds:datastoreItem xmlns:ds="http://schemas.openxmlformats.org/officeDocument/2006/customXml" ds:itemID="{049ECCCF-890C-4C54-BAB4-06AB610C1865}">
+  <ds:schemaRefs>
+    <ds:schemaRef ds:uri="http://schemas.microsoft.com/office/2006/metadata/contentType"/>
+    <ds:schemaRef ds:uri="http://schemas.microsoft.com/office/2006/metadata/properties/metaAttributes"/>
+    <ds:schemaRef ds:uri="http://www.w3.org/2001/XMLSchema"/>
+    <ds:schemaRef ds:uri="http://schemas.microsoft.com/office/2006/metadata/properties"/>
+    <ds:schemaRef ds:uri="ef624bc2-1644-4d69-8362-5c28ca496374"/>
+    <ds:schemaRef ds:uri="514a554b-82b0-4359-b247-fc84018a95f0"/>
+    <ds:schemaRef ds:uri="http://schemas.microsoft.com/office/2006/documentManagement/types"/>
+    <ds:schemaRef ds:uri="http://schemas.microsoft.com/office/infopath/2007/PartnerControls"/>
+    <ds:schemaRef ds:uri="http://schemas.openxmlformats.org/package/2006/metadata/core-properties"/>
+    <ds:schemaRef ds:uri="http://purl.org/dc/elements/1.1/"/>
+    <ds:schemaRef ds:uri="http://purl.org/dc/terms/"/>
+    <ds:schemaRef ds:uri="http://schemas.microsoft.com/internal/obd"/>
+  </ds:schemaRefs>
+</ds:datastoreItem>
 </file>
--- a/Templates/BNP.pptx
+++ b/Templates/BNP.pptx
@@ -238,7 +238,7 @@
           <a:p>
             <a:fld id="{515CCE07-1711-4DC7-A7D8-7ED312C82FB8}" type="datetimeFigureOut">
               <a:rPr lang="fr-FR" smtClean="0"/>
-              <a:t>29/06/2022</a:t>
+              <a:t>30/06/2022</a:t>
             </a:fld>
             <a:endParaRPr lang="fr-FR"/>
           </a:p>
@@ -403,7 +403,7 @@
           <a:p>
             <a:fld id="{014ABEAC-8B63-4BD1-9569-A14EB8752A94}" type="datetimeFigureOut">
               <a:rPr lang="fr-FR" smtClean="0"/>
-              <a:t>29/06/2022</a:t>
+              <a:t>30/06/2022</a:t>
             </a:fld>
             <a:endParaRPr lang="fr-FR"/>
           </a:p>
@@ -5395,7 +5395,7 @@
           <p:nvPr>
             <p:extLst>
               <p:ext uri="{D42A27DB-BD31-4B8C-83A1-F6EECF244321}">
-                <p14:modId xmlns:p14="http://schemas.microsoft.com/office/powerpoint/2010/main" val="1659642961"/>
+                <p14:modId xmlns:p14="http://schemas.microsoft.com/office/powerpoint/2010/main" val="565535015"/>
               </p:ext>
             </p:extLst>
           </p:nvPr>
@@ -5783,12 +5783,6 @@
                     <a:lstStyle/>
                     <a:p>
                       <a:pPr marL="0" algn="l" defTabSz="755934" rtl="0" eaLnBrk="1" fontAlgn="ctr" latinLnBrk="0" hangingPunct="1"/>
-                      <a:r>
-                        <a:rPr lang="fr-FR" sz="800" cap="none">
-                          <a:latin typeface="Futura PT" panose="020B0902020204020203" pitchFamily="34" charset="0"/>
-                        </a:rPr>
-                        <a:t>&lt;NOMSOUSJACENTP1&gt; </a:t>
-                      </a:r>
                       <a:endParaRPr lang="fr-FR" sz="800" b="1" i="0" u="none" strike="noStrike" kern="1200" dirty="0">
                         <a:solidFill>
                           <a:srgbClr val="004F74"/>
@@ -6368,14 +6362,14 @@
               <a:t>ÉVOLUTION &lt;SJR6P1&gt; &lt;NOMSOUSJACENTP1&gt; ENTRE LE </a:t>
             </a:r>
             <a:r>
-              <a:rPr lang="en-US" sz="1200" b="0">
+              <a:rPr lang="en-US" sz="1200" b="0" dirty="0">
                 <a:effectLst/>
                 <a:latin typeface="+mj-lt"/>
               </a:rPr>
               <a:t>&lt;DDR1-12&gt;</a:t>
             </a:r>
             <a:r>
-              <a:rPr lang="en-US" sz="1200">
+              <a:rPr lang="en-US" sz="1200" dirty="0">
                 <a:latin typeface="+mj-lt"/>
               </a:rPr>
               <a:t> </a:t>
@@ -6629,6 +6623,110 @@
               <a:t>&lt;graph5&gt;</a:t>
             </a:r>
             <a:endParaRPr lang="en-US" dirty="0"/>
+          </a:p>
+        </p:txBody>
+      </p:sp>
+      <p:sp>
+        <p:nvSpPr>
+          <p:cNvPr id="18" name="ZoneTexte 17">
+            <a:extLst>
+              <a:ext uri="{FF2B5EF4-FFF2-40B4-BE49-F238E27FC236}">
+                <a16:creationId xmlns:a16="http://schemas.microsoft.com/office/drawing/2014/main" id="{4D6A015A-1F6F-076B-19DE-3207CABBCD66}"/>
+              </a:ext>
+            </a:extLst>
+          </p:cNvPr>
+          <p:cNvSpPr txBox="1"/>
+          <p:nvPr/>
+        </p:nvSpPr>
+        <p:spPr>
+          <a:xfrm>
+            <a:off x="407669" y="1548571"/>
+            <a:ext cx="4055164" cy="369332"/>
+          </a:xfrm>
+          <a:prstGeom prst="rect">
+            <a:avLst/>
+          </a:prstGeom>
+          <a:noFill/>
+        </p:spPr>
+        <p:txBody>
+          <a:bodyPr wrap="square">
+            <a:spAutoFit/>
+          </a:bodyPr>
+          <a:lstStyle/>
+          <a:p>
+            <a:r>
+              <a:rPr lang="fr-FR" sz="1800" dirty="0">
+                <a:latin typeface="Futura PT" panose="020B0902020204020203" pitchFamily="34" charset="0"/>
+              </a:rPr>
+              <a:t>&lt;</a:t>
+            </a:r>
+            <a:r>
+              <a:rPr lang="fr-FR" sz="1800" dirty="0" err="1">
+                <a:latin typeface="Futura PT" panose="020B0902020204020203" pitchFamily="34" charset="0"/>
+              </a:rPr>
+              <a:t>legendeticker</a:t>
+            </a:r>
+            <a:r>
+              <a:rPr lang="fr-FR" sz="1800" dirty="0">
+                <a:latin typeface="Futura PT" panose="020B0902020204020203" pitchFamily="34" charset="0"/>
+              </a:rPr>
+              <a:t>&gt;</a:t>
+            </a:r>
+            <a:endParaRPr lang="fr-FR" sz="1800" cap="none" dirty="0">
+              <a:latin typeface="Futura PT" panose="020B0902020204020203" pitchFamily="34" charset="0"/>
+            </a:endParaRPr>
+          </a:p>
+        </p:txBody>
+      </p:sp>
+      <p:sp>
+        <p:nvSpPr>
+          <p:cNvPr id="19" name="ZoneTexte 18">
+            <a:extLst>
+              <a:ext uri="{FF2B5EF4-FFF2-40B4-BE49-F238E27FC236}">
+                <a16:creationId xmlns:a16="http://schemas.microsoft.com/office/drawing/2014/main" id="{699C6F15-1F3C-6226-C8B1-482D88D294EE}"/>
+              </a:ext>
+            </a:extLst>
+          </p:cNvPr>
+          <p:cNvSpPr txBox="1"/>
+          <p:nvPr/>
+        </p:nvSpPr>
+        <p:spPr>
+          <a:xfrm>
+            <a:off x="407669" y="2613509"/>
+            <a:ext cx="4055164" cy="369332"/>
+          </a:xfrm>
+          <a:prstGeom prst="rect">
+            <a:avLst/>
+          </a:prstGeom>
+          <a:noFill/>
+        </p:spPr>
+        <p:txBody>
+          <a:bodyPr wrap="square">
+            <a:spAutoFit/>
+          </a:bodyPr>
+          <a:lstStyle/>
+          <a:p>
+            <a:r>
+              <a:rPr lang="fr-FR" sz="1800" dirty="0">
+                <a:latin typeface="Futura PT" panose="020B0902020204020203" pitchFamily="34" charset="0"/>
+              </a:rPr>
+              <a:t>&lt;</a:t>
+            </a:r>
+            <a:r>
+              <a:rPr lang="fr-FR" sz="1800" dirty="0" err="1">
+                <a:latin typeface="Futura PT" panose="020B0902020204020203" pitchFamily="34" charset="0"/>
+              </a:rPr>
+              <a:t>legendeticker</a:t>
+            </a:r>
+            <a:r>
+              <a:rPr lang="fr-FR" sz="1800" dirty="0">
+                <a:latin typeface="Futura PT" panose="020B0902020204020203" pitchFamily="34" charset="0"/>
+              </a:rPr>
+              <a:t>&gt;</a:t>
+            </a:r>
+            <a:endParaRPr lang="fr-FR" sz="1800" cap="none" dirty="0">
+              <a:latin typeface="Futura PT" panose="020B0902020204020203" pitchFamily="34" charset="0"/>
+            </a:endParaRPr>
           </a:p>
         </p:txBody>
       </p:sp>
@@ -37637,15 +37735,6 @@
 </file>
 
 <file path=customXml/item1.xml><?xml version="1.0" encoding="utf-8"?>
-<?mso-contentType ?>
-<FormTemplates xmlns="http://schemas.microsoft.com/sharepoint/v3/contenttype/forms">
-  <Display>DocumentLibraryForm</Display>
-  <Edit>DocumentLibraryForm</Edit>
-  <New>DocumentLibraryForm</New>
-</FormTemplates>
-</file>
-
-<file path=customXml/item2.xml><?xml version="1.0" encoding="utf-8"?>
 <p:properties xmlns:p="http://schemas.microsoft.com/office/2006/metadata/properties" xmlns:xsi="http://www.w3.org/2001/XMLSchema-instance" xmlns:pc="http://schemas.microsoft.com/office/infopath/2007/PartnerControls">
   <documentManagement>
     <_Flow_SignoffStatus xmlns="ef624bc2-1644-4d69-8362-5c28ca496374" xsi:nil="true"/>
@@ -37657,7 +37746,7 @@
 </p:properties>
 </file>
 
-<file path=customXml/item3.xml><?xml version="1.0" encoding="utf-8"?>
+<file path=customXml/item2.xml><?xml version="1.0" encoding="utf-8"?>
 <ct:contentTypeSchema xmlns:ct="http://schemas.microsoft.com/office/2006/metadata/contentType" xmlns:ma="http://schemas.microsoft.com/office/2006/metadata/properties/metaAttributes" ct:_="" ma:_="" ma:contentTypeName="Document" ma:contentTypeID="0x0101005DDE610BC516E448BB8152259F39635A" ma:contentTypeVersion="17" ma:contentTypeDescription="Crée un document." ma:contentTypeScope="" ma:versionID="bfb75e103009df80b8e5001438c41194">
   <xsd:schema xmlns:xsd="http://www.w3.org/2001/XMLSchema" xmlns:xs="http://www.w3.org/2001/XMLSchema" xmlns:p="http://schemas.microsoft.com/office/2006/metadata/properties" xmlns:ns2="ef624bc2-1644-4d69-8362-5c28ca496374" xmlns:ns3="514a554b-82b0-4359-b247-fc84018a95f0" targetNamespace="http://schemas.microsoft.com/office/2006/metadata/properties" ma:root="true" ma:fieldsID="2ae3df86d13efbb4a35042af2564d386" ns2:_="" ns3:_="">
     <xsd:import namespace="ef624bc2-1644-4d69-8362-5c28ca496374"/>
@@ -37906,15 +37995,16 @@
 </ct:contentTypeSchema>
 </file>
 
-<file path=customXml/itemProps1.xml><?xml version="1.0" encoding="utf-8"?>
-<ds:datastoreItem xmlns:ds="http://schemas.openxmlformats.org/officeDocument/2006/customXml" ds:itemID="{B00FC41E-FBDE-42E2-B58A-20EBD240A376}">
-  <ds:schemaRefs>
-    <ds:schemaRef ds:uri="http://schemas.microsoft.com/sharepoint/v3/contenttype/forms"/>
-  </ds:schemaRefs>
-</ds:datastoreItem>
+<file path=customXml/item3.xml><?xml version="1.0" encoding="utf-8"?>
+<?mso-contentType ?>
+<FormTemplates xmlns="http://schemas.microsoft.com/sharepoint/v3/contenttype/forms">
+  <Display>DocumentLibraryForm</Display>
+  <Edit>DocumentLibraryForm</Edit>
+  <New>DocumentLibraryForm</New>
+</FormTemplates>
 </file>
 
-<file path=customXml/itemProps2.xml><?xml version="1.0" encoding="utf-8"?>
+<file path=customXml/itemProps1.xml><?xml version="1.0" encoding="utf-8"?>
 <ds:datastoreItem xmlns:ds="http://schemas.openxmlformats.org/officeDocument/2006/customXml" ds:itemID="{25DE574B-2CD2-4078-9BEA-2A14717D9698}">
   <ds:schemaRefs>
     <ds:schemaRef ds:uri="ef624bc2-1644-4d69-8362-5c28ca496374"/>
@@ -37931,7 +38021,7 @@
 </ds:datastoreItem>
 </file>
 
-<file path=customXml/itemProps3.xml><?xml version="1.0" encoding="utf-8"?>
+<file path=customXml/itemProps2.xml><?xml version="1.0" encoding="utf-8"?>
 <ds:datastoreItem xmlns:ds="http://schemas.openxmlformats.org/officeDocument/2006/customXml" ds:itemID="{049ECCCF-890C-4C54-BAB4-06AB610C1865}">
   <ds:schemaRefs>
     <ds:schemaRef ds:uri="http://schemas.microsoft.com/office/2006/metadata/contentType"/>
@@ -37948,4 +38038,12 @@
     <ds:schemaRef ds:uri="http://schemas.microsoft.com/internal/obd"/>
   </ds:schemaRefs>
 </ds:datastoreItem>
+</file>
+
+<file path=customXml/itemProps3.xml><?xml version="1.0" encoding="utf-8"?>
+<ds:datastoreItem xmlns:ds="http://schemas.openxmlformats.org/officeDocument/2006/customXml" ds:itemID="{B00FC41E-FBDE-42E2-B58A-20EBD240A376}">
+  <ds:schemaRefs>
+    <ds:schemaRef ds:uri="http://schemas.microsoft.com/sharepoint/v3/contenttype/forms"/>
+  </ds:schemaRefs>
+</ds:datastoreItem>
 </file>
--- a/Templates/BNP.pptx
+++ b/Templates/BNP.pptx
@@ -230,7 +230,7 @@
           <a:p>
             <a:fld id="{515CCE07-1711-4DC7-A7D8-7ED312C82FB8}" type="datetimeFigureOut">
               <a:rPr lang="fr-FR" smtClean="0"/>
-              <a:t>01/07/2022</a:t>
+              <a:t>12/07/2022</a:t>
             </a:fld>
             <a:endParaRPr lang="fr-FR"/>
           </a:p>
@@ -395,7 +395,7 @@
           <a:p>
             <a:fld id="{014ABEAC-8B63-4BD1-9569-A14EB8752A94}" type="datetimeFigureOut">
               <a:rPr lang="fr-FR" smtClean="0"/>
-              <a:t>01/07/2022</a:t>
+              <a:t>12/07/2022</a:t>
             </a:fld>
             <a:endParaRPr lang="fr-FR"/>
           </a:p>
@@ -36307,7 +36307,24 @@
                 </a:solidFill>
                 <a:latin typeface="Proxima Nova Rg" panose="02000506030000020004" pitchFamily="2" charset="0"/>
               </a:rPr>
-              <a:t>un &lt;SJR3&gt; supérieur à &lt;ABAC&gt; &lt;ABAC&gt; </a:t>
+              <a:t>un &lt;SJR3&gt; supérieur à &lt;ABAC</a:t>
+            </a:r>
+            <a:r>
+              <a:rPr lang="fr-FR" sz="800">
+                <a:solidFill>
+                  <a:schemeClr val="tx2"/>
+                </a:solidFill>
+                <a:latin typeface="Proxima Nova Rg" panose="02000506030000020004" pitchFamily="2" charset="0"/>
+              </a:rPr>
+              <a:t>&gt; </a:t>
+            </a:r>
+            <a:r>
+              <a:rPr lang="fr-FR" sz="800">
+                <a:solidFill>
+                  <a:schemeClr val="tx2"/>
+                </a:solidFill>
+              </a:rPr>
+              <a:t>(&lt;</a:t>
             </a:r>
             <a:r>
               <a:rPr lang="fr-FR" sz="800" dirty="0">
@@ -36315,7 +36332,7 @@
                   <a:schemeClr val="tx2"/>
                 </a:solidFill>
               </a:rPr>
-              <a:t>(&lt;NSF&gt; dans cet exemple). Le produit est automatiquement remboursé par anticipation. Il verse alors l’intégralité du capital initial majorée d’un &lt;GC&gt; de &lt;CPN&gt; &lt;environ&gt; par &lt;F0&gt; &lt;F2&gt; depuis le &lt;DDCI&gt;&lt;exclus&gt;, soit un gain de &lt;CPR1&gt; dans notre exemple.</a:t>
+              <a:t>NSF&gt; dans cet exemple). Le produit est automatiquement remboursé par anticipation. Il verse alors l’intégralité du capital initial majorée d’un &lt;GC&gt; de &lt;CPN&gt; &lt;environ&gt; par &lt;F0&gt; &lt;F2&gt; depuis le &lt;DDCI&gt;&lt;exclus&gt;, soit un gain de &lt;CPR1&gt; dans notre exemple.</a:t>
             </a:r>
           </a:p>
           <a:p>
@@ -37220,18 +37237,6 @@
 </file>
 
 <file path=customXml/item1.xml><?xml version="1.0" encoding="utf-8"?>
-<p:properties xmlns:p="http://schemas.microsoft.com/office/2006/metadata/properties" xmlns:xsi="http://www.w3.org/2001/XMLSchema-instance" xmlns:pc="http://schemas.microsoft.com/office/infopath/2007/PartnerControls">
-  <documentManagement>
-    <_Flow_SignoffStatus xmlns="ef624bc2-1644-4d69-8362-5c28ca496374" xsi:nil="true"/>
-    <TaxCatchAll xmlns="514a554b-82b0-4359-b247-fc84018a95f0" xsi:nil="true"/>
-    <lcf76f155ced4ddcb4097134ff3c332f xmlns="ef624bc2-1644-4d69-8362-5c28ca496374">
-      <Terms xmlns="http://schemas.microsoft.com/office/infopath/2007/PartnerControls"/>
-    </lcf76f155ced4ddcb4097134ff3c332f>
-  </documentManagement>
-</p:properties>
-</file>
-
-<file path=customXml/item2.xml><?xml version="1.0" encoding="utf-8"?>
 <ct:contentTypeSchema xmlns:ct="http://schemas.microsoft.com/office/2006/metadata/contentType" xmlns:ma="http://schemas.microsoft.com/office/2006/metadata/properties/metaAttributes" ct:_="" ma:_="" ma:contentTypeName="Document" ma:contentTypeID="0x0101005DDE610BC516E448BB8152259F39635A" ma:contentTypeVersion="17" ma:contentTypeDescription="Crée un document." ma:contentTypeScope="" ma:versionID="bfb75e103009df80b8e5001438c41194">
   <xsd:schema xmlns:xsd="http://www.w3.org/2001/XMLSchema" xmlns:xs="http://www.w3.org/2001/XMLSchema" xmlns:p="http://schemas.microsoft.com/office/2006/metadata/properties" xmlns:ns2="ef624bc2-1644-4d69-8362-5c28ca496374" xmlns:ns3="514a554b-82b0-4359-b247-fc84018a95f0" targetNamespace="http://schemas.microsoft.com/office/2006/metadata/properties" ma:root="true" ma:fieldsID="2ae3df86d13efbb4a35042af2564d386" ns2:_="" ns3:_="">
     <xsd:import namespace="ef624bc2-1644-4d69-8362-5c28ca496374"/>
@@ -37480,6 +37485,18 @@
 </ct:contentTypeSchema>
 </file>
 
+<file path=customXml/item2.xml><?xml version="1.0" encoding="utf-8"?>
+<p:properties xmlns:p="http://schemas.microsoft.com/office/2006/metadata/properties" xmlns:xsi="http://www.w3.org/2001/XMLSchema-instance" xmlns:pc="http://schemas.microsoft.com/office/infopath/2007/PartnerControls">
+  <documentManagement>
+    <_Flow_SignoffStatus xmlns="ef624bc2-1644-4d69-8362-5c28ca496374" xsi:nil="true"/>
+    <TaxCatchAll xmlns="514a554b-82b0-4359-b247-fc84018a95f0" xsi:nil="true"/>
+    <lcf76f155ced4ddcb4097134ff3c332f xmlns="ef624bc2-1644-4d69-8362-5c28ca496374">
+      <Terms xmlns="http://schemas.microsoft.com/office/infopath/2007/PartnerControls"/>
+    </lcf76f155ced4ddcb4097134ff3c332f>
+  </documentManagement>
+</p:properties>
+</file>
+
 <file path=customXml/item3.xml><?xml version="1.0" encoding="utf-8"?>
 <?mso-contentType ?>
 <FormTemplates xmlns="http://schemas.microsoft.com/sharepoint/v3/contenttype/forms">
@@ -37490,23 +37507,6 @@
 </file>
 
 <file path=customXml/itemProps1.xml><?xml version="1.0" encoding="utf-8"?>
-<ds:datastoreItem xmlns:ds="http://schemas.openxmlformats.org/officeDocument/2006/customXml" ds:itemID="{25DE574B-2CD2-4078-9BEA-2A14717D9698}">
-  <ds:schemaRefs>
-    <ds:schemaRef ds:uri="ef624bc2-1644-4d69-8362-5c28ca496374"/>
-    <ds:schemaRef ds:uri="http://www.w3.org/XML/1998/namespace"/>
-    <ds:schemaRef ds:uri="http://schemas.openxmlformats.org/package/2006/metadata/core-properties"/>
-    <ds:schemaRef ds:uri="http://purl.org/dc/elements/1.1/"/>
-    <ds:schemaRef ds:uri="http://schemas.microsoft.com/office/2006/metadata/properties"/>
-    <ds:schemaRef ds:uri="514a554b-82b0-4359-b247-fc84018a95f0"/>
-    <ds:schemaRef ds:uri="http://purl.org/dc/terms/"/>
-    <ds:schemaRef ds:uri="http://schemas.microsoft.com/office/2006/documentManagement/types"/>
-    <ds:schemaRef ds:uri="http://schemas.microsoft.com/office/infopath/2007/PartnerControls"/>
-    <ds:schemaRef ds:uri="http://purl.org/dc/dcmitype/"/>
-  </ds:schemaRefs>
-</ds:datastoreItem>
-</file>
-
-<file path=customXml/itemProps2.xml><?xml version="1.0" encoding="utf-8"?>
 <ds:datastoreItem xmlns:ds="http://schemas.openxmlformats.org/officeDocument/2006/customXml" ds:itemID="{049ECCCF-890C-4C54-BAB4-06AB610C1865}">
   <ds:schemaRefs>
     <ds:schemaRef ds:uri="http://schemas.microsoft.com/office/2006/metadata/contentType"/>
@@ -37525,6 +37525,23 @@
 </ds:datastoreItem>
 </file>
 
+<file path=customXml/itemProps2.xml><?xml version="1.0" encoding="utf-8"?>
+<ds:datastoreItem xmlns:ds="http://schemas.openxmlformats.org/officeDocument/2006/customXml" ds:itemID="{25DE574B-2CD2-4078-9BEA-2A14717D9698}">
+  <ds:schemaRefs>
+    <ds:schemaRef ds:uri="ef624bc2-1644-4d69-8362-5c28ca496374"/>
+    <ds:schemaRef ds:uri="http://www.w3.org/XML/1998/namespace"/>
+    <ds:schemaRef ds:uri="http://schemas.openxmlformats.org/package/2006/metadata/core-properties"/>
+    <ds:schemaRef ds:uri="http://purl.org/dc/elements/1.1/"/>
+    <ds:schemaRef ds:uri="http://schemas.microsoft.com/office/2006/metadata/properties"/>
+    <ds:schemaRef ds:uri="514a554b-82b0-4359-b247-fc84018a95f0"/>
+    <ds:schemaRef ds:uri="http://purl.org/dc/terms/"/>
+    <ds:schemaRef ds:uri="http://schemas.microsoft.com/office/2006/documentManagement/types"/>
+    <ds:schemaRef ds:uri="http://schemas.microsoft.com/office/infopath/2007/PartnerControls"/>
+    <ds:schemaRef ds:uri="http://purl.org/dc/dcmitype/"/>
+  </ds:schemaRefs>
+</ds:datastoreItem>
+</file>
+
 <file path=customXml/itemProps3.xml><?xml version="1.0" encoding="utf-8"?>
 <ds:datastoreItem xmlns:ds="http://schemas.openxmlformats.org/officeDocument/2006/customXml" ds:itemID="{B00FC41E-FBDE-42E2-B58A-20EBD240A376}">
   <ds:schemaRefs>
